--- a/SEM1/DATA MINING/2. Know Your Data (1).pptx
+++ b/SEM1/DATA MINING/2. Know Your Data (1).pptx
@@ -177,1644 +177,236 @@
 <pc:chgInfo xmlns:a="http://schemas.openxmlformats.org/drawingml/2006/main" xmlns:r="http://schemas.openxmlformats.org/officeDocument/2006/relationships" xmlns:ac="http://schemas.microsoft.com/office/drawing/2013/main/command" xmlns:pc="http://schemas.microsoft.com/office/powerpoint/2013/main/command">
   <pc:docChgLst>
     <pc:chgData userId="e6793c7ac87b5dd5" providerId="LiveId" clId="{335F0835-02A6-4104-A867-EEB2C06A5A4D}"/>
-    <pc:docChg chg="undo redo custSel addSld delSld modSld">
-      <pc:chgData name="" userId="e6793c7ac87b5dd5" providerId="LiveId" clId="{335F0835-02A6-4104-A867-EEB2C06A5A4D}" dt="2023-09-28T15:43:38.003" v="2966" actId="404"/>
+  </pc:docChgLst>
+  <pc:docChgLst>
+    <pc:chgData userId="e6793c7ac87b5dd5" providerId="LiveId" clId="{F674413E-B023-4B86-859E-0ADFA50BCF28}"/>
+    <pc:docChg chg="undo modSld">
+      <pc:chgData name="" userId="e6793c7ac87b5dd5" providerId="LiveId" clId="{F674413E-B023-4B86-859E-0ADFA50BCF28}" dt="2023-10-04T10:25:25.066" v="167" actId="113"/>
       <pc:docMkLst>
         <pc:docMk/>
       </pc:docMkLst>
-      <pc:sldChg chg="addSp delSp modSp">
-        <pc:chgData name="" userId="e6793c7ac87b5dd5" providerId="LiveId" clId="{335F0835-02A6-4104-A867-EEB2C06A5A4D}" dt="2023-09-28T15:43:38.003" v="2966" actId="404"/>
-        <pc:sldMkLst>
-          <pc:docMk/>
-          <pc:sldMk cId="1369706923" sldId="256"/>
-        </pc:sldMkLst>
-        <pc:spChg chg="mod">
-          <ac:chgData name="" userId="e6793c7ac87b5dd5" providerId="LiveId" clId="{335F0835-02A6-4104-A867-EEB2C06A5A4D}" dt="2023-09-28T15:43:38.003" v="2966" actId="404"/>
-          <ac:spMkLst>
-            <pc:docMk/>
-            <pc:sldMk cId="1369706923" sldId="256"/>
-            <ac:spMk id="2" creationId="{3BAE42AF-2933-41E4-9B83-E54D8C8DB71E}"/>
-          </ac:spMkLst>
-        </pc:spChg>
-        <pc:spChg chg="add mod">
-          <ac:chgData name="" userId="e6793c7ac87b5dd5" providerId="LiveId" clId="{335F0835-02A6-4104-A867-EEB2C06A5A4D}" dt="2023-09-28T15:43:19.056" v="2960" actId="404"/>
-          <ac:spMkLst>
-            <pc:docMk/>
-            <pc:sldMk cId="1369706923" sldId="256"/>
-            <ac:spMk id="3" creationId="{487EEC43-1CDE-4345-A60A-F38221F81E0F}"/>
-          </ac:spMkLst>
-        </pc:spChg>
-        <pc:spChg chg="del">
-          <ac:chgData name="" userId="e6793c7ac87b5dd5" providerId="LiveId" clId="{335F0835-02A6-4104-A867-EEB2C06A5A4D}" dt="2023-09-23T09:41:50.071" v="2011"/>
-          <ac:spMkLst>
-            <pc:docMk/>
-            <pc:sldMk cId="1369706923" sldId="256"/>
-            <ac:spMk id="3" creationId="{F6517999-C014-4270-9210-ADE0AB5AB3BD}"/>
-          </ac:spMkLst>
-        </pc:spChg>
-      </pc:sldChg>
       <pc:sldChg chg="modSp">
-        <pc:chgData name="" userId="e6793c7ac87b5dd5" providerId="LiveId" clId="{335F0835-02A6-4104-A867-EEB2C06A5A4D}" dt="2023-09-19T04:57:19.232" v="2005" actId="113"/>
-        <pc:sldMkLst>
-          <pc:docMk/>
-          <pc:sldMk cId="3844161785" sldId="257"/>
-        </pc:sldMkLst>
-        <pc:spChg chg="mod">
-          <ac:chgData name="" userId="e6793c7ac87b5dd5" providerId="LiveId" clId="{335F0835-02A6-4104-A867-EEB2C06A5A4D}" dt="2023-09-19T04:57:19.232" v="2005" actId="113"/>
-          <ac:spMkLst>
-            <pc:docMk/>
-            <pc:sldMk cId="3844161785" sldId="257"/>
-            <ac:spMk id="3" creationId="{EA68E610-DD25-431B-85F0-D5B68EABBE7F}"/>
-          </ac:spMkLst>
-        </pc:spChg>
-      </pc:sldChg>
-      <pc:sldChg chg="modSp">
-        <pc:chgData name="" userId="e6793c7ac87b5dd5" providerId="LiveId" clId="{335F0835-02A6-4104-A867-EEB2C06A5A4D}" dt="2023-09-19T04:57:59.569" v="2006" actId="113"/>
-        <pc:sldMkLst>
-          <pc:docMk/>
-          <pc:sldMk cId="1953099644" sldId="258"/>
-        </pc:sldMkLst>
-        <pc:spChg chg="mod">
-          <ac:chgData name="" userId="e6793c7ac87b5dd5" providerId="LiveId" clId="{335F0835-02A6-4104-A867-EEB2C06A5A4D}" dt="2023-09-19T04:57:59.569" v="2006" actId="113"/>
-          <ac:spMkLst>
-            <pc:docMk/>
-            <pc:sldMk cId="1953099644" sldId="258"/>
-            <ac:spMk id="3" creationId="{EA68E610-DD25-431B-85F0-D5B68EABBE7F}"/>
-          </ac:spMkLst>
-        </pc:spChg>
-      </pc:sldChg>
-      <pc:sldChg chg="modSp">
-        <pc:chgData name="" userId="e6793c7ac87b5dd5" providerId="LiveId" clId="{335F0835-02A6-4104-A867-EEB2C06A5A4D}" dt="2023-09-10T04:28:44.022" v="1003" actId="11"/>
-        <pc:sldMkLst>
-          <pc:docMk/>
-          <pc:sldMk cId="2215745412" sldId="259"/>
-        </pc:sldMkLst>
-        <pc:spChg chg="mod">
-          <ac:chgData name="" userId="e6793c7ac87b5dd5" providerId="LiveId" clId="{335F0835-02A6-4104-A867-EEB2C06A5A4D}" dt="2023-09-10T04:28:44.022" v="1003" actId="11"/>
-          <ac:spMkLst>
-            <pc:docMk/>
-            <pc:sldMk cId="2215745412" sldId="259"/>
-            <ac:spMk id="3" creationId="{EA68E610-DD25-431B-85F0-D5B68EABBE7F}"/>
-          </ac:spMkLst>
-        </pc:spChg>
-      </pc:sldChg>
-      <pc:sldChg chg="modSp">
-        <pc:chgData name="" userId="e6793c7ac87b5dd5" providerId="LiveId" clId="{335F0835-02A6-4104-A867-EEB2C06A5A4D}" dt="2023-09-10T04:29:15.617" v="1007" actId="20577"/>
-        <pc:sldMkLst>
-          <pc:docMk/>
-          <pc:sldMk cId="1184321245" sldId="260"/>
-        </pc:sldMkLst>
-        <pc:spChg chg="mod">
-          <ac:chgData name="" userId="e6793c7ac87b5dd5" providerId="LiveId" clId="{335F0835-02A6-4104-A867-EEB2C06A5A4D}" dt="2023-09-10T04:29:15.617" v="1007" actId="20577"/>
-          <ac:spMkLst>
-            <pc:docMk/>
-            <pc:sldMk cId="1184321245" sldId="260"/>
-            <ac:spMk id="3" creationId="{EA68E610-DD25-431B-85F0-D5B68EABBE7F}"/>
-          </ac:spMkLst>
-        </pc:spChg>
-      </pc:sldChg>
-      <pc:sldChg chg="modSp">
-        <pc:chgData name="" userId="e6793c7ac87b5dd5" providerId="LiveId" clId="{335F0835-02A6-4104-A867-EEB2C06A5A4D}" dt="2023-09-10T04:49:28.850" v="1010" actId="20577"/>
-        <pc:sldMkLst>
-          <pc:docMk/>
-          <pc:sldMk cId="4037883950" sldId="261"/>
-        </pc:sldMkLst>
-        <pc:spChg chg="mod">
-          <ac:chgData name="" userId="e6793c7ac87b5dd5" providerId="LiveId" clId="{335F0835-02A6-4104-A867-EEB2C06A5A4D}" dt="2023-09-10T04:49:28.850" v="1010" actId="20577"/>
-          <ac:spMkLst>
-            <pc:docMk/>
-            <pc:sldMk cId="4037883950" sldId="261"/>
-            <ac:spMk id="3" creationId="{EA68E610-DD25-431B-85F0-D5B68EABBE7F}"/>
-          </ac:spMkLst>
-        </pc:spChg>
-      </pc:sldChg>
-      <pc:sldChg chg="modSp">
-        <pc:chgData name="" userId="e6793c7ac87b5dd5" providerId="LiveId" clId="{335F0835-02A6-4104-A867-EEB2C06A5A4D}" dt="2023-09-10T04:52:23.686" v="1013" actId="113"/>
-        <pc:sldMkLst>
-          <pc:docMk/>
-          <pc:sldMk cId="1314960481" sldId="262"/>
-        </pc:sldMkLst>
-        <pc:spChg chg="mod">
-          <ac:chgData name="" userId="e6793c7ac87b5dd5" providerId="LiveId" clId="{335F0835-02A6-4104-A867-EEB2C06A5A4D}" dt="2023-09-10T04:52:23.686" v="1013" actId="113"/>
-          <ac:spMkLst>
-            <pc:docMk/>
-            <pc:sldMk cId="1314960481" sldId="262"/>
-            <ac:spMk id="3" creationId="{EA68E610-DD25-431B-85F0-D5B68EABBE7F}"/>
-          </ac:spMkLst>
-        </pc:spChg>
-      </pc:sldChg>
-      <pc:sldChg chg="modSp add">
-        <pc:chgData name="" userId="e6793c7ac87b5dd5" providerId="LiveId" clId="{335F0835-02A6-4104-A867-EEB2C06A5A4D}" dt="2023-09-10T05:03:17.191" v="1014" actId="113"/>
-        <pc:sldMkLst>
-          <pc:docMk/>
-          <pc:sldMk cId="37213198" sldId="263"/>
-        </pc:sldMkLst>
-        <pc:spChg chg="mod">
-          <ac:chgData name="" userId="e6793c7ac87b5dd5" providerId="LiveId" clId="{335F0835-02A6-4104-A867-EEB2C06A5A4D}" dt="2023-09-07T17:21:01.185" v="9"/>
-          <ac:spMkLst>
-            <pc:docMk/>
-            <pc:sldMk cId="37213198" sldId="263"/>
-            <ac:spMk id="2" creationId="{80C2A2CA-06B6-4E6F-8AC0-2EA128376E10}"/>
-          </ac:spMkLst>
-        </pc:spChg>
-        <pc:spChg chg="mod">
-          <ac:chgData name="" userId="e6793c7ac87b5dd5" providerId="LiveId" clId="{335F0835-02A6-4104-A867-EEB2C06A5A4D}" dt="2023-09-10T05:03:17.191" v="1014" actId="113"/>
-          <ac:spMkLst>
-            <pc:docMk/>
-            <pc:sldMk cId="37213198" sldId="263"/>
-            <ac:spMk id="3" creationId="{EA68E610-DD25-431B-85F0-D5B68EABBE7F}"/>
-          </ac:spMkLst>
-        </pc:spChg>
-      </pc:sldChg>
-      <pc:sldChg chg="modSp add">
-        <pc:chgData name="" userId="e6793c7ac87b5dd5" providerId="LiveId" clId="{335F0835-02A6-4104-A867-EEB2C06A5A4D}" dt="2023-09-10T05:18:38.622" v="1018" actId="113"/>
-        <pc:sldMkLst>
-          <pc:docMk/>
-          <pc:sldMk cId="2735444504" sldId="264"/>
-        </pc:sldMkLst>
-        <pc:spChg chg="mod">
-          <ac:chgData name="" userId="e6793c7ac87b5dd5" providerId="LiveId" clId="{335F0835-02A6-4104-A867-EEB2C06A5A4D}" dt="2023-09-10T05:18:38.622" v="1018" actId="113"/>
-          <ac:spMkLst>
-            <pc:docMk/>
-            <pc:sldMk cId="2735444504" sldId="264"/>
-            <ac:spMk id="3" creationId="{EA68E610-DD25-431B-85F0-D5B68EABBE7F}"/>
-          </ac:spMkLst>
-        </pc:spChg>
-      </pc:sldChg>
-      <pc:sldChg chg="modSp add">
-        <pc:chgData name="" userId="e6793c7ac87b5dd5" providerId="LiveId" clId="{335F0835-02A6-4104-A867-EEB2C06A5A4D}" dt="2023-09-24T06:19:39.262" v="2498" actId="2710"/>
-        <pc:sldMkLst>
-          <pc:docMk/>
-          <pc:sldMk cId="2240928842" sldId="265"/>
-        </pc:sldMkLst>
-        <pc:spChg chg="mod">
-          <ac:chgData name="" userId="e6793c7ac87b5dd5" providerId="LiveId" clId="{335F0835-02A6-4104-A867-EEB2C06A5A4D}" dt="2023-09-07T17:58:00.532" v="55"/>
-          <ac:spMkLst>
-            <pc:docMk/>
-            <pc:sldMk cId="2240928842" sldId="265"/>
-            <ac:spMk id="2" creationId="{80C2A2CA-06B6-4E6F-8AC0-2EA128376E10}"/>
-          </ac:spMkLst>
-        </pc:spChg>
-        <pc:spChg chg="mod">
-          <ac:chgData name="" userId="e6793c7ac87b5dd5" providerId="LiveId" clId="{335F0835-02A6-4104-A867-EEB2C06A5A4D}" dt="2023-09-24T06:19:39.262" v="2498" actId="2710"/>
-          <ac:spMkLst>
-            <pc:docMk/>
-            <pc:sldMk cId="2240928842" sldId="265"/>
-            <ac:spMk id="3" creationId="{EA68E610-DD25-431B-85F0-D5B68EABBE7F}"/>
-          </ac:spMkLst>
-        </pc:spChg>
-      </pc:sldChg>
-      <pc:sldChg chg="modSp add">
-        <pc:chgData name="" userId="e6793c7ac87b5dd5" providerId="LiveId" clId="{335F0835-02A6-4104-A867-EEB2C06A5A4D}" dt="2023-09-24T06:19:51.695" v="2499" actId="2710"/>
-        <pc:sldMkLst>
-          <pc:docMk/>
-          <pc:sldMk cId="3573703805" sldId="266"/>
-        </pc:sldMkLst>
-        <pc:spChg chg="mod">
-          <ac:chgData name="" userId="e6793c7ac87b5dd5" providerId="LiveId" clId="{335F0835-02A6-4104-A867-EEB2C06A5A4D}" dt="2023-09-24T06:19:51.695" v="2499" actId="2710"/>
-          <ac:spMkLst>
-            <pc:docMk/>
-            <pc:sldMk cId="3573703805" sldId="266"/>
-            <ac:spMk id="3" creationId="{EA68E610-DD25-431B-85F0-D5B68EABBE7F}"/>
-          </ac:spMkLst>
-        </pc:spChg>
-      </pc:sldChg>
-      <pc:sldChg chg="modSp add">
-        <pc:chgData name="" userId="e6793c7ac87b5dd5" providerId="LiveId" clId="{335F0835-02A6-4104-A867-EEB2C06A5A4D}" dt="2023-09-10T06:53:56.627" v="1117" actId="5793"/>
-        <pc:sldMkLst>
-          <pc:docMk/>
-          <pc:sldMk cId="1093388935" sldId="281"/>
-        </pc:sldMkLst>
-        <pc:spChg chg="mod">
-          <ac:chgData name="" userId="e6793c7ac87b5dd5" providerId="LiveId" clId="{335F0835-02A6-4104-A867-EEB2C06A5A4D}" dt="2023-09-08T05:05:49.645" v="544"/>
-          <ac:spMkLst>
-            <pc:docMk/>
-            <pc:sldMk cId="1093388935" sldId="281"/>
-            <ac:spMk id="2" creationId="{80C2A2CA-06B6-4E6F-8AC0-2EA128376E10}"/>
-          </ac:spMkLst>
-        </pc:spChg>
-        <pc:spChg chg="mod">
-          <ac:chgData name="" userId="e6793c7ac87b5dd5" providerId="LiveId" clId="{335F0835-02A6-4104-A867-EEB2C06A5A4D}" dt="2023-09-10T06:53:56.627" v="1117" actId="5793"/>
-          <ac:spMkLst>
-            <pc:docMk/>
-            <pc:sldMk cId="1093388935" sldId="281"/>
-            <ac:spMk id="3" creationId="{EA68E610-DD25-431B-85F0-D5B68EABBE7F}"/>
-          </ac:spMkLst>
-        </pc:spChg>
-      </pc:sldChg>
-      <pc:sldChg chg="modSp add">
-        <pc:chgData name="" userId="e6793c7ac87b5dd5" providerId="LiveId" clId="{335F0835-02A6-4104-A867-EEB2C06A5A4D}" dt="2023-09-24T06:32:42.904" v="2505" actId="113"/>
-        <pc:sldMkLst>
-          <pc:docMk/>
-          <pc:sldMk cId="512827329" sldId="282"/>
-        </pc:sldMkLst>
-        <pc:spChg chg="mod">
-          <ac:chgData name="" userId="e6793c7ac87b5dd5" providerId="LiveId" clId="{335F0835-02A6-4104-A867-EEB2C06A5A4D}" dt="2023-09-24T06:32:42.904" v="2505" actId="113"/>
-          <ac:spMkLst>
-            <pc:docMk/>
-            <pc:sldMk cId="512827329" sldId="282"/>
-            <ac:spMk id="3" creationId="{EA68E610-DD25-431B-85F0-D5B68EABBE7F}"/>
-          </ac:spMkLst>
-        </pc:spChg>
-      </pc:sldChg>
-      <pc:sldChg chg="modSp add">
-        <pc:chgData name="" userId="e6793c7ac87b5dd5" providerId="LiveId" clId="{335F0835-02A6-4104-A867-EEB2C06A5A4D}" dt="2023-09-24T06:37:22.223" v="2513" actId="113"/>
-        <pc:sldMkLst>
-          <pc:docMk/>
-          <pc:sldMk cId="2608254968" sldId="283"/>
-        </pc:sldMkLst>
-        <pc:spChg chg="mod">
-          <ac:chgData name="" userId="e6793c7ac87b5dd5" providerId="LiveId" clId="{335F0835-02A6-4104-A867-EEB2C06A5A4D}" dt="2023-09-24T06:37:22.223" v="2513" actId="113"/>
-          <ac:spMkLst>
-            <pc:docMk/>
-            <pc:sldMk cId="2608254968" sldId="283"/>
-            <ac:spMk id="3" creationId="{EA68E610-DD25-431B-85F0-D5B68EABBE7F}"/>
-          </ac:spMkLst>
-        </pc:spChg>
-      </pc:sldChg>
-      <pc:sldChg chg="addSp modSp add">
-        <pc:chgData name="" userId="e6793c7ac87b5dd5" providerId="LiveId" clId="{335F0835-02A6-4104-A867-EEB2C06A5A4D}" dt="2023-09-24T06:38:53.157" v="2516" actId="114"/>
-        <pc:sldMkLst>
-          <pc:docMk/>
-          <pc:sldMk cId="595408235" sldId="284"/>
-        </pc:sldMkLst>
-        <pc:spChg chg="mod">
-          <ac:chgData name="" userId="e6793c7ac87b5dd5" providerId="LiveId" clId="{335F0835-02A6-4104-A867-EEB2C06A5A4D}" dt="2023-09-24T06:38:53.157" v="2516" actId="114"/>
-          <ac:spMkLst>
-            <pc:docMk/>
-            <pc:sldMk cId="595408235" sldId="284"/>
-            <ac:spMk id="3" creationId="{EA68E610-DD25-431B-85F0-D5B68EABBE7F}"/>
-          </ac:spMkLst>
-        </pc:spChg>
-        <pc:picChg chg="add mod">
-          <ac:chgData name="" userId="e6793c7ac87b5dd5" providerId="LiveId" clId="{335F0835-02A6-4104-A867-EEB2C06A5A4D}" dt="2023-09-09T04:04:39.491" v="862" actId="1035"/>
-          <ac:picMkLst>
-            <pc:docMk/>
-            <pc:sldMk cId="595408235" sldId="284"/>
-            <ac:picMk id="4" creationId="{58ABA17C-489B-485B-A3F7-F14567A43EBD}"/>
-          </ac:picMkLst>
-        </pc:picChg>
-      </pc:sldChg>
-      <pc:sldChg chg="delSp modSp add">
-        <pc:chgData name="" userId="e6793c7ac87b5dd5" providerId="LiveId" clId="{335F0835-02A6-4104-A867-EEB2C06A5A4D}" dt="2023-09-24T06:41:23.484" v="2517" actId="113"/>
-        <pc:sldMkLst>
-          <pc:docMk/>
-          <pc:sldMk cId="2108925411" sldId="285"/>
-        </pc:sldMkLst>
-        <pc:spChg chg="mod">
-          <ac:chgData name="" userId="e6793c7ac87b5dd5" providerId="LiveId" clId="{335F0835-02A6-4104-A867-EEB2C06A5A4D}" dt="2023-09-24T06:41:23.484" v="2517" actId="113"/>
-          <ac:spMkLst>
-            <pc:docMk/>
-            <pc:sldMk cId="2108925411" sldId="285"/>
-            <ac:spMk id="3" creationId="{EA68E610-DD25-431B-85F0-D5B68EABBE7F}"/>
-          </ac:spMkLst>
-        </pc:spChg>
-        <pc:picChg chg="del">
-          <ac:chgData name="" userId="e6793c7ac87b5dd5" providerId="LiveId" clId="{335F0835-02A6-4104-A867-EEB2C06A5A4D}" dt="2023-09-09T04:07:52.599" v="864" actId="478"/>
-          <ac:picMkLst>
-            <pc:docMk/>
-            <pc:sldMk cId="2108925411" sldId="285"/>
-            <ac:picMk id="4" creationId="{58ABA17C-489B-485B-A3F7-F14567A43EBD}"/>
-          </ac:picMkLst>
-        </pc:picChg>
-      </pc:sldChg>
-      <pc:sldChg chg="addSp modSp add">
-        <pc:chgData name="" userId="e6793c7ac87b5dd5" providerId="LiveId" clId="{335F0835-02A6-4104-A867-EEB2C06A5A4D}" dt="2023-09-24T07:22:50.302" v="2521" actId="20577"/>
-        <pc:sldMkLst>
-          <pc:docMk/>
-          <pc:sldMk cId="1007577802" sldId="286"/>
-        </pc:sldMkLst>
-        <pc:spChg chg="mod">
-          <ac:chgData name="" userId="e6793c7ac87b5dd5" providerId="LiveId" clId="{335F0835-02A6-4104-A867-EEB2C06A5A4D}" dt="2023-09-09T04:18:30.738" v="940"/>
-          <ac:spMkLst>
-            <pc:docMk/>
-            <pc:sldMk cId="1007577802" sldId="286"/>
-            <ac:spMk id="2" creationId="{80C2A2CA-06B6-4E6F-8AC0-2EA128376E10}"/>
-          </ac:spMkLst>
-        </pc:spChg>
-        <pc:spChg chg="mod">
-          <ac:chgData name="" userId="e6793c7ac87b5dd5" providerId="LiveId" clId="{335F0835-02A6-4104-A867-EEB2C06A5A4D}" dt="2023-09-24T07:22:50.302" v="2521" actId="20577"/>
-          <ac:spMkLst>
-            <pc:docMk/>
-            <pc:sldMk cId="1007577802" sldId="286"/>
-            <ac:spMk id="3" creationId="{EA68E610-DD25-431B-85F0-D5B68EABBE7F}"/>
-          </ac:spMkLst>
-        </pc:spChg>
-        <pc:picChg chg="add mod">
-          <ac:chgData name="" userId="e6793c7ac87b5dd5" providerId="LiveId" clId="{335F0835-02A6-4104-A867-EEB2C06A5A4D}" dt="2023-09-10T06:58:11.174" v="1122" actId="14100"/>
-          <ac:picMkLst>
-            <pc:docMk/>
-            <pc:sldMk cId="1007577802" sldId="286"/>
-            <ac:picMk id="4" creationId="{CB6A4F5F-F8C9-4FB5-B7B3-BFD5D29E8C73}"/>
-          </ac:picMkLst>
-        </pc:picChg>
-      </pc:sldChg>
-      <pc:sldChg chg="modSp add">
-        <pc:chgData name="" userId="e6793c7ac87b5dd5" providerId="LiveId" clId="{335F0835-02A6-4104-A867-EEB2C06A5A4D}" dt="2023-09-28T12:41:47.947" v="2701" actId="113"/>
-        <pc:sldMkLst>
-          <pc:docMk/>
-          <pc:sldMk cId="3611218682" sldId="287"/>
-        </pc:sldMkLst>
-        <pc:spChg chg="mod">
-          <ac:chgData name="" userId="e6793c7ac87b5dd5" providerId="LiveId" clId="{335F0835-02A6-4104-A867-EEB2C06A5A4D}" dt="2023-09-28T12:41:47.947" v="2701" actId="113"/>
-          <ac:spMkLst>
-            <pc:docMk/>
-            <pc:sldMk cId="3611218682" sldId="287"/>
-            <ac:spMk id="3" creationId="{EA68E610-DD25-431B-85F0-D5B68EABBE7F}"/>
-          </ac:spMkLst>
-        </pc:spChg>
-      </pc:sldChg>
-      <pc:sldChg chg="addSp delSp modSp add">
-        <pc:chgData name="" userId="e6793c7ac87b5dd5" providerId="LiveId" clId="{335F0835-02A6-4104-A867-EEB2C06A5A4D}" dt="2023-09-10T15:47:54.309" v="1404" actId="6549"/>
+        <pc:chgData name="" userId="e6793c7ac87b5dd5" providerId="LiveId" clId="{F674413E-B023-4B86-859E-0ADFA50BCF28}" dt="2023-10-04T10:05:06.883" v="25" actId="1076"/>
         <pc:sldMkLst>
           <pc:docMk/>
           <pc:sldMk cId="2597720563" sldId="288"/>
         </pc:sldMkLst>
         <pc:spChg chg="mod">
-          <ac:chgData name="" userId="e6793c7ac87b5dd5" providerId="LiveId" clId="{335F0835-02A6-4104-A867-EEB2C06A5A4D}" dt="2023-09-10T07:16:29.983" v="1126"/>
-          <ac:spMkLst>
-            <pc:docMk/>
-            <pc:sldMk cId="2597720563" sldId="288"/>
-            <ac:spMk id="2" creationId="{80C2A2CA-06B6-4E6F-8AC0-2EA128376E10}"/>
-          </ac:spMkLst>
-        </pc:spChg>
-        <pc:spChg chg="mod">
-          <ac:chgData name="" userId="e6793c7ac87b5dd5" providerId="LiveId" clId="{335F0835-02A6-4104-A867-EEB2C06A5A4D}" dt="2023-09-10T15:47:54.309" v="1404" actId="6549"/>
+          <ac:chgData name="" userId="e6793c7ac87b5dd5" providerId="LiveId" clId="{F674413E-B023-4B86-859E-0ADFA50BCF28}" dt="2023-10-04T10:05:04.406" v="24" actId="20577"/>
           <ac:spMkLst>
             <pc:docMk/>
             <pc:sldMk cId="2597720563" sldId="288"/>
             <ac:spMk id="3" creationId="{EA68E610-DD25-431B-85F0-D5B68EABBE7F}"/>
           </ac:spMkLst>
         </pc:spChg>
-        <pc:picChg chg="del">
-          <ac:chgData name="" userId="e6793c7ac87b5dd5" providerId="LiveId" clId="{335F0835-02A6-4104-A867-EEB2C06A5A4D}" dt="2023-09-10T07:18:41.423" v="1127" actId="478"/>
-          <ac:picMkLst>
-            <pc:docMk/>
-            <pc:sldMk cId="2597720563" sldId="288"/>
-            <ac:picMk id="4" creationId="{CB6A4F5F-F8C9-4FB5-B7B3-BFD5D29E8C73}"/>
-          </ac:picMkLst>
-        </pc:picChg>
-        <pc:picChg chg="add del mod">
-          <ac:chgData name="" userId="e6793c7ac87b5dd5" providerId="LiveId" clId="{335F0835-02A6-4104-A867-EEB2C06A5A4D}" dt="2023-09-10T15:43:48.692" v="1333" actId="1076"/>
-          <ac:picMkLst>
-            <pc:docMk/>
-            <pc:sldMk cId="2597720563" sldId="288"/>
-            <ac:picMk id="5" creationId="{BE5395A6-0DB4-48AA-A6A2-59E22CDF3FA3}"/>
-          </ac:picMkLst>
-        </pc:picChg>
-        <pc:picChg chg="add del mod">
-          <ac:chgData name="" userId="e6793c7ac87b5dd5" providerId="LiveId" clId="{335F0835-02A6-4104-A867-EEB2C06A5A4D}" dt="2023-09-10T15:47:08.786" v="1342" actId="1076"/>
+        <pc:picChg chg="mod">
+          <ac:chgData name="" userId="e6793c7ac87b5dd5" providerId="LiveId" clId="{F674413E-B023-4B86-859E-0ADFA50BCF28}" dt="2023-10-04T10:05:06.883" v="25" actId="1076"/>
           <ac:picMkLst>
             <pc:docMk/>
             <pc:sldMk cId="2597720563" sldId="288"/>
             <ac:picMk id="6" creationId="{DA21D1CE-2EE7-4BF3-868F-0FE29F60AF16}"/>
           </ac:picMkLst>
         </pc:picChg>
-        <pc:picChg chg="add del mod modCrop">
-          <ac:chgData name="" userId="e6793c7ac87b5dd5" providerId="LiveId" clId="{335F0835-02A6-4104-A867-EEB2C06A5A4D}" dt="2023-09-10T07:36:05.935" v="1271" actId="478"/>
-          <ac:picMkLst>
-            <pc:docMk/>
-            <pc:sldMk cId="2597720563" sldId="288"/>
-            <ac:picMk id="7" creationId="{8C54DFB4-7F9A-4405-84E7-697F4CBE52CB}"/>
-          </ac:picMkLst>
-        </pc:picChg>
       </pc:sldChg>
-      <pc:sldChg chg="addSp delSp modSp add">
-        <pc:chgData name="" userId="e6793c7ac87b5dd5" providerId="LiveId" clId="{335F0835-02A6-4104-A867-EEB2C06A5A4D}" dt="2023-09-19T07:44:20.138" v="2010" actId="6549"/>
-        <pc:sldMkLst>
-          <pc:docMk/>
-          <pc:sldMk cId="200488861" sldId="289"/>
-        </pc:sldMkLst>
-        <pc:spChg chg="mod">
-          <ac:chgData name="" userId="e6793c7ac87b5dd5" providerId="LiveId" clId="{335F0835-02A6-4104-A867-EEB2C06A5A4D}" dt="2023-09-19T07:44:20.138" v="2010" actId="6549"/>
-          <ac:spMkLst>
-            <pc:docMk/>
-            <pc:sldMk cId="200488861" sldId="289"/>
-            <ac:spMk id="3" creationId="{EA68E610-DD25-431B-85F0-D5B68EABBE7F}"/>
-          </ac:spMkLst>
-        </pc:spChg>
-        <pc:picChg chg="del">
-          <ac:chgData name="" userId="e6793c7ac87b5dd5" providerId="LiveId" clId="{335F0835-02A6-4104-A867-EEB2C06A5A4D}" dt="2023-09-10T15:41:52.872" v="1314" actId="478"/>
-          <ac:picMkLst>
-            <pc:docMk/>
-            <pc:sldMk cId="200488861" sldId="289"/>
-            <ac:picMk id="5" creationId="{BE5395A6-0DB4-48AA-A6A2-59E22CDF3FA3}"/>
-          </ac:picMkLst>
-        </pc:picChg>
-        <pc:picChg chg="del">
-          <ac:chgData name="" userId="e6793c7ac87b5dd5" providerId="LiveId" clId="{335F0835-02A6-4104-A867-EEB2C06A5A4D}" dt="2023-09-10T15:41:53.729" v="1315" actId="478"/>
-          <ac:picMkLst>
-            <pc:docMk/>
-            <pc:sldMk cId="200488861" sldId="289"/>
-            <ac:picMk id="6" creationId="{DA21D1CE-2EE7-4BF3-868F-0FE29F60AF16}"/>
-          </ac:picMkLst>
-        </pc:picChg>
-        <pc:picChg chg="mod">
-          <ac:chgData name="" userId="e6793c7ac87b5dd5" providerId="LiveId" clId="{335F0835-02A6-4104-A867-EEB2C06A5A4D}" dt="2023-09-10T15:42:44.117" v="1328" actId="14100"/>
-          <ac:picMkLst>
-            <pc:docMk/>
-            <pc:sldMk cId="200488861" sldId="289"/>
-            <ac:picMk id="7" creationId="{8C54DFB4-7F9A-4405-84E7-697F4CBE52CB}"/>
-          </ac:picMkLst>
-        </pc:picChg>
-        <pc:picChg chg="add del mod">
-          <ac:chgData name="" userId="e6793c7ac87b5dd5" providerId="LiveId" clId="{335F0835-02A6-4104-A867-EEB2C06A5A4D}" dt="2023-09-10T15:43:38.006" v="1331" actId="478"/>
-          <ac:picMkLst>
-            <pc:docMk/>
-            <pc:sldMk cId="200488861" sldId="289"/>
-            <ac:picMk id="8" creationId="{3952A363-1CC8-4935-852B-0AC2EF784D4D}"/>
-          </ac:picMkLst>
-        </pc:picChg>
-      </pc:sldChg>
-      <pc:sldChg chg="addSp delSp modSp add">
-        <pc:chgData name="" userId="e6793c7ac87b5dd5" providerId="LiveId" clId="{335F0835-02A6-4104-A867-EEB2C06A5A4D}" dt="2023-09-10T15:50:19.524" v="1427" actId="20577"/>
+      <pc:sldChg chg="modSp">
+        <pc:chgData name="" userId="e6793c7ac87b5dd5" providerId="LiveId" clId="{F674413E-B023-4B86-859E-0ADFA50BCF28}" dt="2023-10-04T10:11:25.926" v="28" actId="114"/>
         <pc:sldMkLst>
           <pc:docMk/>
           <pc:sldMk cId="4184534948" sldId="290"/>
         </pc:sldMkLst>
         <pc:spChg chg="mod">
-          <ac:chgData name="" userId="e6793c7ac87b5dd5" providerId="LiveId" clId="{335F0835-02A6-4104-A867-EEB2C06A5A4D}" dt="2023-09-10T15:50:19.524" v="1427" actId="20577"/>
+          <ac:chgData name="" userId="e6793c7ac87b5dd5" providerId="LiveId" clId="{F674413E-B023-4B86-859E-0ADFA50BCF28}" dt="2023-10-04T10:11:25.926" v="28" actId="114"/>
           <ac:spMkLst>
             <pc:docMk/>
             <pc:sldMk cId="4184534948" sldId="290"/>
             <ac:spMk id="3" creationId="{EA68E610-DD25-431B-85F0-D5B68EABBE7F}"/>
           </ac:spMkLst>
         </pc:spChg>
-        <pc:picChg chg="add mod">
-          <ac:chgData name="" userId="e6793c7ac87b5dd5" providerId="LiveId" clId="{335F0835-02A6-4104-A867-EEB2C06A5A4D}" dt="2023-09-10T15:50:03.144" v="1425" actId="14100"/>
-          <ac:picMkLst>
-            <pc:docMk/>
-            <pc:sldMk cId="4184534948" sldId="290"/>
-            <ac:picMk id="4" creationId="{C5C79DDB-D3EE-44D7-BFF1-D5492E62D416}"/>
-          </ac:picMkLst>
-        </pc:picChg>
-        <pc:picChg chg="del">
-          <ac:chgData name="" userId="e6793c7ac87b5dd5" providerId="LiveId" clId="{335F0835-02A6-4104-A867-EEB2C06A5A4D}" dt="2023-09-10T15:47:41.854" v="1344" actId="478"/>
-          <ac:picMkLst>
-            <pc:docMk/>
-            <pc:sldMk cId="4184534948" sldId="290"/>
-            <ac:picMk id="5" creationId="{BE5395A6-0DB4-48AA-A6A2-59E22CDF3FA3}"/>
-          </ac:picMkLst>
-        </pc:picChg>
-        <pc:picChg chg="del">
-          <ac:chgData name="" userId="e6793c7ac87b5dd5" providerId="LiveId" clId="{335F0835-02A6-4104-A867-EEB2C06A5A4D}" dt="2023-09-10T15:47:42.726" v="1345" actId="478"/>
-          <ac:picMkLst>
-            <pc:docMk/>
-            <pc:sldMk cId="4184534948" sldId="290"/>
-            <ac:picMk id="6" creationId="{DA21D1CE-2EE7-4BF3-868F-0FE29F60AF16}"/>
-          </ac:picMkLst>
-        </pc:picChg>
       </pc:sldChg>
-      <pc:sldChg chg="addSp delSp modSp add">
-        <pc:chgData name="" userId="e6793c7ac87b5dd5" providerId="LiveId" clId="{335F0835-02A6-4104-A867-EEB2C06A5A4D}" dt="2023-09-28T13:47:16.230" v="2720" actId="113"/>
+      <pc:sldChg chg="modSp">
+        <pc:chgData name="" userId="e6793c7ac87b5dd5" providerId="LiveId" clId="{F674413E-B023-4B86-859E-0ADFA50BCF28}" dt="2023-10-04T10:22:21.366" v="159" actId="20577"/>
         <pc:sldMkLst>
           <pc:docMk/>
           <pc:sldMk cId="2252671108" sldId="291"/>
         </pc:sldMkLst>
         <pc:spChg chg="mod">
-          <ac:chgData name="" userId="e6793c7ac87b5dd5" providerId="LiveId" clId="{335F0835-02A6-4104-A867-EEB2C06A5A4D}" dt="2023-09-10T15:52:13.448" v="1429"/>
-          <ac:spMkLst>
-            <pc:docMk/>
-            <pc:sldMk cId="2252671108" sldId="291"/>
-            <ac:spMk id="2" creationId="{80C2A2CA-06B6-4E6F-8AC0-2EA128376E10}"/>
-          </ac:spMkLst>
-        </pc:spChg>
-        <pc:spChg chg="mod">
-          <ac:chgData name="" userId="e6793c7ac87b5dd5" providerId="LiveId" clId="{335F0835-02A6-4104-A867-EEB2C06A5A4D}" dt="2023-09-28T13:47:16.230" v="2720" actId="113"/>
+          <ac:chgData name="" userId="e6793c7ac87b5dd5" providerId="LiveId" clId="{F674413E-B023-4B86-859E-0ADFA50BCF28}" dt="2023-10-04T10:22:21.366" v="159" actId="20577"/>
           <ac:spMkLst>
             <pc:docMk/>
             <pc:sldMk cId="2252671108" sldId="291"/>
             <ac:spMk id="3" creationId="{EA68E610-DD25-431B-85F0-D5B68EABBE7F}"/>
           </ac:spMkLst>
         </pc:spChg>
-        <pc:picChg chg="del">
-          <ac:chgData name="" userId="e6793c7ac87b5dd5" providerId="LiveId" clId="{335F0835-02A6-4104-A867-EEB2C06A5A4D}" dt="2023-09-10T15:54:59.954" v="1430" actId="478"/>
-          <ac:picMkLst>
-            <pc:docMk/>
-            <pc:sldMk cId="2252671108" sldId="291"/>
-            <ac:picMk id="4" creationId="{C5C79DDB-D3EE-44D7-BFF1-D5492E62D416}"/>
-          </ac:picMkLst>
-        </pc:picChg>
-        <pc:picChg chg="add mod">
-          <ac:chgData name="" userId="e6793c7ac87b5dd5" providerId="LiveId" clId="{335F0835-02A6-4104-A867-EEB2C06A5A4D}" dt="2023-09-10T16:04:55.026" v="1487" actId="14100"/>
-          <ac:picMkLst>
-            <pc:docMk/>
-            <pc:sldMk cId="2252671108" sldId="291"/>
-            <ac:picMk id="5" creationId="{95E43A8A-525C-491A-BF2E-082BB1ECBBFA}"/>
-          </ac:picMkLst>
-        </pc:picChg>
       </pc:sldChg>
-      <pc:sldChg chg="addSp modSp add">
-        <pc:chgData name="" userId="e6793c7ac87b5dd5" providerId="LiveId" clId="{335F0835-02A6-4104-A867-EEB2C06A5A4D}" dt="2023-09-28T13:14:54.359" v="2717" actId="1076"/>
+      <pc:sldChg chg="modSp">
+        <pc:chgData name="" userId="e6793c7ac87b5dd5" providerId="LiveId" clId="{F674413E-B023-4B86-859E-0ADFA50BCF28}" dt="2023-10-04T10:17:29.975" v="118" actId="114"/>
         <pc:sldMkLst>
           <pc:docMk/>
           <pc:sldMk cId="3561279139" sldId="292"/>
         </pc:sldMkLst>
         <pc:spChg chg="mod">
-          <ac:chgData name="" userId="e6793c7ac87b5dd5" providerId="LiveId" clId="{335F0835-02A6-4104-A867-EEB2C06A5A4D}" dt="2023-09-10T16:10:59.469" v="1549" actId="20577"/>
+          <ac:chgData name="" userId="e6793c7ac87b5dd5" providerId="LiveId" clId="{F674413E-B023-4B86-859E-0ADFA50BCF28}" dt="2023-10-04T10:17:29.975" v="118" actId="114"/>
           <ac:spMkLst>
             <pc:docMk/>
             <pc:sldMk cId="3561279139" sldId="292"/>
             <ac:spMk id="3" creationId="{EA68E610-DD25-431B-85F0-D5B68EABBE7F}"/>
           </ac:spMkLst>
         </pc:spChg>
-        <pc:picChg chg="add mod">
-          <ac:chgData name="" userId="e6793c7ac87b5dd5" providerId="LiveId" clId="{335F0835-02A6-4104-A867-EEB2C06A5A4D}" dt="2023-09-28T13:14:54.359" v="2717" actId="1076"/>
-          <ac:picMkLst>
-            <pc:docMk/>
-            <pc:sldMk cId="3561279139" sldId="292"/>
-            <ac:picMk id="4" creationId="{94F7896D-2E61-46A0-BFE3-CD5F20482755}"/>
-          </ac:picMkLst>
-        </pc:picChg>
       </pc:sldChg>
-      <pc:sldChg chg="addSp modSp add">
-        <pc:chgData name="" userId="e6793c7ac87b5dd5" providerId="LiveId" clId="{335F0835-02A6-4104-A867-EEB2C06A5A4D}" dt="2023-09-10T16:18:19.134" v="1588" actId="58"/>
+      <pc:sldChg chg="modSp">
+        <pc:chgData name="" userId="e6793c7ac87b5dd5" providerId="LiveId" clId="{F674413E-B023-4B86-859E-0ADFA50BCF28}" dt="2023-10-04T10:18:25.406" v="125" actId="114"/>
         <pc:sldMkLst>
           <pc:docMk/>
           <pc:sldMk cId="964325509" sldId="293"/>
         </pc:sldMkLst>
         <pc:spChg chg="mod">
-          <ac:chgData name="" userId="e6793c7ac87b5dd5" providerId="LiveId" clId="{335F0835-02A6-4104-A867-EEB2C06A5A4D}" dt="2023-09-10T16:18:19.134" v="1588" actId="58"/>
+          <ac:chgData name="" userId="e6793c7ac87b5dd5" providerId="LiveId" clId="{F674413E-B023-4B86-859E-0ADFA50BCF28}" dt="2023-10-04T10:18:25.406" v="125" actId="114"/>
           <ac:spMkLst>
             <pc:docMk/>
             <pc:sldMk cId="964325509" sldId="293"/>
             <ac:spMk id="3" creationId="{EA68E610-DD25-431B-85F0-D5B68EABBE7F}"/>
           </ac:spMkLst>
         </pc:spChg>
-        <pc:picChg chg="add mod modCrop">
-          <ac:chgData name="" userId="e6793c7ac87b5dd5" providerId="LiveId" clId="{335F0835-02A6-4104-A867-EEB2C06A5A4D}" dt="2023-09-10T16:17:11.349" v="1571" actId="1076"/>
-          <ac:picMkLst>
-            <pc:docMk/>
-            <pc:sldMk cId="964325509" sldId="293"/>
-            <ac:picMk id="4" creationId="{183A8B25-02F8-4388-B9D4-9B1E9601E02B}"/>
-          </ac:picMkLst>
-        </pc:picChg>
       </pc:sldChg>
-      <pc:sldChg chg="addSp delSp modSp add">
-        <pc:chgData name="" userId="e6793c7ac87b5dd5" providerId="LiveId" clId="{335F0835-02A6-4104-A867-EEB2C06A5A4D}" dt="2023-09-10T16:29:42.307" v="1684" actId="404"/>
-        <pc:sldMkLst>
-          <pc:docMk/>
-          <pc:sldMk cId="2462860063" sldId="294"/>
-        </pc:sldMkLst>
-        <pc:spChg chg="mod">
-          <ac:chgData name="" userId="e6793c7ac87b5dd5" providerId="LiveId" clId="{335F0835-02A6-4104-A867-EEB2C06A5A4D}" dt="2023-09-10T16:29:42.307" v="1684" actId="404"/>
-          <ac:spMkLst>
-            <pc:docMk/>
-            <pc:sldMk cId="2462860063" sldId="294"/>
-            <ac:spMk id="3" creationId="{EA68E610-DD25-431B-85F0-D5B68EABBE7F}"/>
-          </ac:spMkLst>
-        </pc:spChg>
-        <pc:picChg chg="add del mod">
-          <ac:chgData name="" userId="e6793c7ac87b5dd5" providerId="LiveId" clId="{335F0835-02A6-4104-A867-EEB2C06A5A4D}" dt="2023-09-10T16:21:02.675" v="1606" actId="478"/>
-          <ac:picMkLst>
-            <pc:docMk/>
-            <pc:sldMk cId="2462860063" sldId="294"/>
-            <ac:picMk id="4" creationId="{A9C84220-41D5-46D2-9C5E-6C647451A70A}"/>
-          </ac:picMkLst>
-        </pc:picChg>
-        <pc:picChg chg="add mod">
-          <ac:chgData name="" userId="e6793c7ac87b5dd5" providerId="LiveId" clId="{335F0835-02A6-4104-A867-EEB2C06A5A4D}" dt="2023-09-10T16:22:34.266" v="1629" actId="1076"/>
-          <ac:picMkLst>
-            <pc:docMk/>
-            <pc:sldMk cId="2462860063" sldId="294"/>
-            <ac:picMk id="5" creationId="{C5D70DDB-E798-46DC-B44A-186028EF4CEA}"/>
-          </ac:picMkLst>
-        </pc:picChg>
-      </pc:sldChg>
-      <pc:sldChg chg="addSp delSp modSp add">
-        <pc:chgData name="" userId="e6793c7ac87b5dd5" providerId="LiveId" clId="{335F0835-02A6-4104-A867-EEB2C06A5A4D}" dt="2023-09-24T16:45:29.916" v="2650" actId="113"/>
+      <pc:sldChg chg="modSp">
+        <pc:chgData name="" userId="e6793c7ac87b5dd5" providerId="LiveId" clId="{F674413E-B023-4B86-859E-0ADFA50BCF28}" dt="2023-10-04T10:19:21.515" v="136" actId="114"/>
         <pc:sldMkLst>
           <pc:docMk/>
           <pc:sldMk cId="768814784" sldId="295"/>
         </pc:sldMkLst>
         <pc:spChg chg="mod">
-          <ac:chgData name="" userId="e6793c7ac87b5dd5" providerId="LiveId" clId="{335F0835-02A6-4104-A867-EEB2C06A5A4D}" dt="2023-09-10T16:31:14.297" v="1686"/>
-          <ac:spMkLst>
-            <pc:docMk/>
-            <pc:sldMk cId="768814784" sldId="295"/>
-            <ac:spMk id="2" creationId="{80C2A2CA-06B6-4E6F-8AC0-2EA128376E10}"/>
-          </ac:spMkLst>
-        </pc:spChg>
-        <pc:spChg chg="mod">
-          <ac:chgData name="" userId="e6793c7ac87b5dd5" providerId="LiveId" clId="{335F0835-02A6-4104-A867-EEB2C06A5A4D}" dt="2023-09-24T16:45:29.916" v="2650" actId="113"/>
+          <ac:chgData name="" userId="e6793c7ac87b5dd5" providerId="LiveId" clId="{F674413E-B023-4B86-859E-0ADFA50BCF28}" dt="2023-10-04T10:19:21.515" v="136" actId="114"/>
           <ac:spMkLst>
             <pc:docMk/>
             <pc:sldMk cId="768814784" sldId="295"/>
             <ac:spMk id="3" creationId="{EA68E610-DD25-431B-85F0-D5B68EABBE7F}"/>
           </ac:spMkLst>
         </pc:spChg>
-        <pc:picChg chg="del">
-          <ac:chgData name="" userId="e6793c7ac87b5dd5" providerId="LiveId" clId="{335F0835-02A6-4104-A867-EEB2C06A5A4D}" dt="2023-09-10T16:31:18.424" v="1687" actId="478"/>
-          <ac:picMkLst>
-            <pc:docMk/>
-            <pc:sldMk cId="768814784" sldId="295"/>
-            <ac:picMk id="4" creationId="{94F7896D-2E61-46A0-BFE3-CD5F20482755}"/>
-          </ac:picMkLst>
-        </pc:picChg>
-        <pc:picChg chg="add mod">
-          <ac:chgData name="" userId="e6793c7ac87b5dd5" providerId="LiveId" clId="{335F0835-02A6-4104-A867-EEB2C06A5A4D}" dt="2023-09-10T16:41:43.054" v="1766" actId="1035"/>
-          <ac:picMkLst>
-            <pc:docMk/>
-            <pc:sldMk cId="768814784" sldId="295"/>
-            <ac:picMk id="5" creationId="{36007B81-677F-4A18-8E69-EB071AFF673F}"/>
-          </ac:picMkLst>
-        </pc:picChg>
       </pc:sldChg>
-      <pc:sldChg chg="delSp modSp add">
-        <pc:chgData name="" userId="e6793c7ac87b5dd5" providerId="LiveId" clId="{335F0835-02A6-4104-A867-EEB2C06A5A4D}" dt="2023-09-10T16:50:31.444" v="1879" actId="6549"/>
-        <pc:sldMkLst>
-          <pc:docMk/>
-          <pc:sldMk cId="1408816264" sldId="297"/>
-        </pc:sldMkLst>
-        <pc:spChg chg="mod">
-          <ac:chgData name="" userId="e6793c7ac87b5dd5" providerId="LiveId" clId="{335F0835-02A6-4104-A867-EEB2C06A5A4D}" dt="2023-09-10T16:48:06.218" v="1858"/>
-          <ac:spMkLst>
-            <pc:docMk/>
-            <pc:sldMk cId="1408816264" sldId="297"/>
-            <ac:spMk id="2" creationId="{80C2A2CA-06B6-4E6F-8AC0-2EA128376E10}"/>
-          </ac:spMkLst>
-        </pc:spChg>
-        <pc:spChg chg="mod">
-          <ac:chgData name="" userId="e6793c7ac87b5dd5" providerId="LiveId" clId="{335F0835-02A6-4104-A867-EEB2C06A5A4D}" dt="2023-09-10T16:50:31.444" v="1879" actId="6549"/>
-          <ac:spMkLst>
-            <pc:docMk/>
-            <pc:sldMk cId="1408816264" sldId="297"/>
-            <ac:spMk id="3" creationId="{EA68E610-DD25-431B-85F0-D5B68EABBE7F}"/>
-          </ac:spMkLst>
-        </pc:spChg>
-        <pc:picChg chg="del">
-          <ac:chgData name="" userId="e6793c7ac87b5dd5" providerId="LiveId" clId="{335F0835-02A6-4104-A867-EEB2C06A5A4D}" dt="2023-09-10T16:47:48.130" v="1856" actId="478"/>
-          <ac:picMkLst>
-            <pc:docMk/>
-            <pc:sldMk cId="1408816264" sldId="297"/>
-            <ac:picMk id="5" creationId="{36007B81-677F-4A18-8E69-EB071AFF673F}"/>
-          </ac:picMkLst>
-        </pc:picChg>
-      </pc:sldChg>
-      <pc:sldChg chg="modSp add">
-        <pc:chgData name="" userId="e6793c7ac87b5dd5" providerId="LiveId" clId="{335F0835-02A6-4104-A867-EEB2C06A5A4D}" dt="2023-09-10T16:52:19.262" v="1895" actId="6549"/>
-        <pc:sldMkLst>
-          <pc:docMk/>
-          <pc:sldMk cId="3884399464" sldId="298"/>
-        </pc:sldMkLst>
-        <pc:spChg chg="mod">
-          <ac:chgData name="" userId="e6793c7ac87b5dd5" providerId="LiveId" clId="{335F0835-02A6-4104-A867-EEB2C06A5A4D}" dt="2023-09-10T16:52:19.262" v="1895" actId="6549"/>
-          <ac:spMkLst>
-            <pc:docMk/>
-            <pc:sldMk cId="3884399464" sldId="298"/>
-            <ac:spMk id="3" creationId="{EA68E610-DD25-431B-85F0-D5B68EABBE7F}"/>
-          </ac:spMkLst>
-        </pc:spChg>
-      </pc:sldChg>
-      <pc:sldChg chg="addSp modSp add">
-        <pc:chgData name="" userId="e6793c7ac87b5dd5" providerId="LiveId" clId="{335F0835-02A6-4104-A867-EEB2C06A5A4D}" dt="2023-09-28T15:18:53.160" v="2723" actId="113"/>
+      <pc:sldChg chg="modSp">
+        <pc:chgData name="" userId="e6793c7ac87b5dd5" providerId="LiveId" clId="{F674413E-B023-4B86-859E-0ADFA50BCF28}" dt="2023-10-04T10:25:25.066" v="167" actId="113"/>
         <pc:sldMkLst>
           <pc:docMk/>
           <pc:sldMk cId="1072377128" sldId="299"/>
         </pc:sldMkLst>
         <pc:spChg chg="mod">
-          <ac:chgData name="" userId="e6793c7ac87b5dd5" providerId="LiveId" clId="{335F0835-02A6-4104-A867-EEB2C06A5A4D}" dt="2023-09-28T15:18:53.160" v="2723" actId="113"/>
+          <ac:chgData name="" userId="e6793c7ac87b5dd5" providerId="LiveId" clId="{F674413E-B023-4B86-859E-0ADFA50BCF28}" dt="2023-10-04T10:25:25.066" v="167" actId="113"/>
           <ac:spMkLst>
             <pc:docMk/>
             <pc:sldMk cId="1072377128" sldId="299"/>
             <ac:spMk id="3" creationId="{EA68E610-DD25-431B-85F0-D5B68EABBE7F}"/>
           </ac:spMkLst>
         </pc:spChg>
-        <pc:picChg chg="add mod">
-          <ac:chgData name="" userId="e6793c7ac87b5dd5" providerId="LiveId" clId="{335F0835-02A6-4104-A867-EEB2C06A5A4D}" dt="2023-09-10T16:54:11.403" v="1904" actId="1076"/>
-          <ac:picMkLst>
-            <pc:docMk/>
-            <pc:sldMk cId="1072377128" sldId="299"/>
-            <ac:picMk id="4" creationId="{BEADEF1D-5145-4C5C-88F9-1B4B3DD6B4A4}"/>
-          </ac:picMkLst>
-        </pc:picChg>
-        <pc:picChg chg="add mod">
-          <ac:chgData name="" userId="e6793c7ac87b5dd5" providerId="LiveId" clId="{335F0835-02A6-4104-A867-EEB2C06A5A4D}" dt="2023-09-10T16:55:12.495" v="1923" actId="1035"/>
-          <ac:picMkLst>
-            <pc:docMk/>
-            <pc:sldMk cId="1072377128" sldId="299"/>
-            <ac:picMk id="5" creationId="{28B4BD15-97AB-4D28-8336-495D1A918D7F}"/>
-          </ac:picMkLst>
-        </pc:picChg>
-        <pc:picChg chg="add mod modCrop">
-          <ac:chgData name="" userId="e6793c7ac87b5dd5" providerId="LiveId" clId="{335F0835-02A6-4104-A867-EEB2C06A5A4D}" dt="2023-09-10T16:58:02.859" v="1988" actId="1035"/>
-          <ac:picMkLst>
-            <pc:docMk/>
-            <pc:sldMk cId="1072377128" sldId="299"/>
-            <ac:picMk id="6" creationId="{3070F918-8387-4218-A2A4-A89080D94D6D}"/>
-          </ac:picMkLst>
-        </pc:picChg>
       </pc:sldChg>
-      <pc:sldChg chg="delSp modSp add">
-        <pc:chgData name="" userId="e6793c7ac87b5dd5" providerId="LiveId" clId="{335F0835-02A6-4104-A867-EEB2C06A5A4D}" dt="2023-09-23T09:45:50.057" v="2153" actId="14100"/>
-        <pc:sldMkLst>
-          <pc:docMk/>
-          <pc:sldMk cId="0" sldId="517"/>
-        </pc:sldMkLst>
-        <pc:spChg chg="mod">
-          <ac:chgData name="" userId="e6793c7ac87b5dd5" providerId="LiveId" clId="{335F0835-02A6-4104-A867-EEB2C06A5A4D}" dt="2023-09-23T09:44:19.825" v="2016" actId="122"/>
-          <ac:spMkLst>
-            <pc:docMk/>
-            <pc:sldMk cId="0" sldId="517"/>
-            <ac:spMk id="4098" creationId="{00000000-0000-0000-0000-000000000000}"/>
-          </ac:spMkLst>
-        </pc:spChg>
-        <pc:spChg chg="mod">
-          <ac:chgData name="" userId="e6793c7ac87b5dd5" providerId="LiveId" clId="{335F0835-02A6-4104-A867-EEB2C06A5A4D}" dt="2023-09-23T09:45:50.057" v="2153" actId="14100"/>
-          <ac:spMkLst>
-            <pc:docMk/>
-            <pc:sldMk cId="0" sldId="517"/>
-            <ac:spMk id="4099" creationId="{00000000-0000-0000-0000-000000000000}"/>
-          </ac:spMkLst>
-        </pc:spChg>
-        <pc:spChg chg="mod">
-          <ac:chgData name="" userId="e6793c7ac87b5dd5" providerId="LiveId" clId="{335F0835-02A6-4104-A867-EEB2C06A5A4D}" dt="2023-09-23T09:45:41.445" v="2152" actId="1036"/>
-          <ac:spMkLst>
-            <pc:docMk/>
-            <pc:sldMk cId="0" sldId="517"/>
-            <ac:spMk id="4101" creationId="{00000000-0000-0000-0000-000000000000}"/>
-          </ac:spMkLst>
-        </pc:spChg>
-        <pc:spChg chg="mod">
-          <ac:chgData name="" userId="e6793c7ac87b5dd5" providerId="LiveId" clId="{335F0835-02A6-4104-A867-EEB2C06A5A4D}" dt="2023-09-23T09:45:41.445" v="2152" actId="1036"/>
-          <ac:spMkLst>
-            <pc:docMk/>
-            <pc:sldMk cId="0" sldId="517"/>
-            <ac:spMk id="4102" creationId="{00000000-0000-0000-0000-000000000000}"/>
-          </ac:spMkLst>
-        </pc:spChg>
-        <pc:spChg chg="mod">
-          <ac:chgData name="" userId="e6793c7ac87b5dd5" providerId="LiveId" clId="{335F0835-02A6-4104-A867-EEB2C06A5A4D}" dt="2023-09-23T09:45:41.445" v="2152" actId="1036"/>
-          <ac:spMkLst>
-            <pc:docMk/>
-            <pc:sldMk cId="0" sldId="517"/>
-            <ac:spMk id="4103" creationId="{00000000-0000-0000-0000-000000000000}"/>
-          </ac:spMkLst>
-        </pc:spChg>
-        <pc:grpChg chg="mod">
-          <ac:chgData name="" userId="e6793c7ac87b5dd5" providerId="LiveId" clId="{335F0835-02A6-4104-A867-EEB2C06A5A4D}" dt="2023-09-23T09:45:41.445" v="2152" actId="1036"/>
-          <ac:grpSpMkLst>
-            <pc:docMk/>
-            <pc:sldMk cId="0" sldId="517"/>
-            <ac:grpSpMk id="4100" creationId="{00000000-0000-0000-0000-000000000000}"/>
-          </ac:grpSpMkLst>
-        </pc:grpChg>
-        <pc:grpChg chg="del">
-          <ac:chgData name="" userId="e6793c7ac87b5dd5" providerId="LiveId" clId="{335F0835-02A6-4104-A867-EEB2C06A5A4D}" dt="2023-09-23T09:44:11.045" v="2015" actId="478"/>
-          <ac:grpSpMkLst>
-            <pc:docMk/>
-            <pc:sldMk cId="0" sldId="517"/>
-            <ac:grpSpMk id="4104" creationId="{00000000-0000-0000-0000-000000000000}"/>
-          </ac:grpSpMkLst>
-        </pc:grpChg>
-      </pc:sldChg>
-      <pc:sldChg chg="modSp add">
-        <pc:chgData name="" userId="e6793c7ac87b5dd5" providerId="LiveId" clId="{335F0835-02A6-4104-A867-EEB2C06A5A4D}" dt="2023-09-23T16:45:06.523" v="2309" actId="1038"/>
-        <pc:sldMkLst>
-          <pc:docMk/>
-          <pc:sldMk cId="0" sldId="520"/>
-        </pc:sldMkLst>
-        <pc:spChg chg="mod">
-          <ac:chgData name="" userId="e6793c7ac87b5dd5" providerId="LiveId" clId="{335F0835-02A6-4104-A867-EEB2C06A5A4D}" dt="2023-09-23T16:44:34.475" v="2278" actId="122"/>
-          <ac:spMkLst>
-            <pc:docMk/>
-            <pc:sldMk cId="0" sldId="520"/>
-            <ac:spMk id="17410" creationId="{00000000-0000-0000-0000-000000000000}"/>
-          </ac:spMkLst>
-        </pc:spChg>
-        <pc:spChg chg="mod">
-          <ac:chgData name="" userId="e6793c7ac87b5dd5" providerId="LiveId" clId="{335F0835-02A6-4104-A867-EEB2C06A5A4D}" dt="2023-09-23T16:44:55.363" v="2286" actId="20577"/>
-          <ac:spMkLst>
-            <pc:docMk/>
-            <pc:sldMk cId="0" sldId="520"/>
-            <ac:spMk id="17411" creationId="{00000000-0000-0000-0000-000000000000}"/>
-          </ac:spMkLst>
-        </pc:spChg>
-        <pc:graphicFrameChg chg="mod">
-          <ac:chgData name="" userId="e6793c7ac87b5dd5" providerId="LiveId" clId="{335F0835-02A6-4104-A867-EEB2C06A5A4D}" dt="2023-09-23T16:45:06.523" v="2309" actId="1038"/>
-          <ac:graphicFrameMkLst>
-            <pc:docMk/>
-            <pc:sldMk cId="0" sldId="520"/>
-            <ac:graphicFrameMk id="17412" creationId="{00000000-0000-0000-0000-000000000000}"/>
-          </ac:graphicFrameMkLst>
-        </pc:graphicFrameChg>
-      </pc:sldChg>
-      <pc:sldChg chg="modSp add">
-        <pc:chgData name="" userId="e6793c7ac87b5dd5" providerId="LiveId" clId="{335F0835-02A6-4104-A867-EEB2C06A5A4D}" dt="2023-09-23T16:44:13.563" v="2273" actId="1035"/>
-        <pc:sldMkLst>
-          <pc:docMk/>
-          <pc:sldMk cId="0" sldId="521"/>
-        </pc:sldMkLst>
-        <pc:spChg chg="mod">
-          <ac:chgData name="" userId="e6793c7ac87b5dd5" providerId="LiveId" clId="{335F0835-02A6-4104-A867-EEB2C06A5A4D}" dt="2023-09-23T16:44:03.483" v="2254" actId="14100"/>
-          <ac:spMkLst>
-            <pc:docMk/>
-            <pc:sldMk cId="0" sldId="521"/>
-            <ac:spMk id="16386" creationId="{00000000-0000-0000-0000-000000000000}"/>
-          </ac:spMkLst>
-        </pc:spChg>
-        <pc:spChg chg="mod">
-          <ac:chgData name="" userId="e6793c7ac87b5dd5" providerId="LiveId" clId="{335F0835-02A6-4104-A867-EEB2C06A5A4D}" dt="2023-09-23T16:43:57.643" v="2253" actId="1035"/>
-          <ac:spMkLst>
-            <pc:docMk/>
-            <pc:sldMk cId="0" sldId="521"/>
-            <ac:spMk id="16387" creationId="{00000000-0000-0000-0000-000000000000}"/>
-          </ac:spMkLst>
-        </pc:spChg>
-        <pc:graphicFrameChg chg="mod">
-          <ac:chgData name="" userId="e6793c7ac87b5dd5" providerId="LiveId" clId="{335F0835-02A6-4104-A867-EEB2C06A5A4D}" dt="2023-09-23T16:44:13.563" v="2273" actId="1035"/>
-          <ac:graphicFrameMkLst>
-            <pc:docMk/>
-            <pc:sldMk cId="0" sldId="521"/>
-            <ac:graphicFrameMk id="16388" creationId="{00000000-0000-0000-0000-000000000000}"/>
-          </ac:graphicFrameMkLst>
-        </pc:graphicFrameChg>
-      </pc:sldChg>
-      <pc:sldChg chg="modSp add">
-        <pc:chgData name="" userId="e6793c7ac87b5dd5" providerId="LiveId" clId="{335F0835-02A6-4104-A867-EEB2C06A5A4D}" dt="2023-09-23T16:46:54.913" v="2318" actId="14100"/>
-        <pc:sldMkLst>
-          <pc:docMk/>
-          <pc:sldMk cId="0" sldId="522"/>
-        </pc:sldMkLst>
-        <pc:spChg chg="mod">
-          <ac:chgData name="" userId="e6793c7ac87b5dd5" providerId="LiveId" clId="{335F0835-02A6-4104-A867-EEB2C06A5A4D}" dt="2023-09-23T16:46:35.817" v="2313" actId="122"/>
-          <ac:spMkLst>
-            <pc:docMk/>
-            <pc:sldMk cId="0" sldId="522"/>
-            <ac:spMk id="18434" creationId="{00000000-0000-0000-0000-000000000000}"/>
-          </ac:spMkLst>
-        </pc:spChg>
-        <pc:spChg chg="mod">
-          <ac:chgData name="" userId="e6793c7ac87b5dd5" providerId="LiveId" clId="{335F0835-02A6-4104-A867-EEB2C06A5A4D}" dt="2023-09-23T16:46:45.819" v="2316" actId="5793"/>
-          <ac:spMkLst>
-            <pc:docMk/>
-            <pc:sldMk cId="0" sldId="522"/>
-            <ac:spMk id="18435" creationId="{00000000-0000-0000-0000-000000000000}"/>
-          </ac:spMkLst>
-        </pc:spChg>
-        <pc:graphicFrameChg chg="mod">
-          <ac:chgData name="" userId="e6793c7ac87b5dd5" providerId="LiveId" clId="{335F0835-02A6-4104-A867-EEB2C06A5A4D}" dt="2023-09-23T16:46:54.913" v="2318" actId="14100"/>
-          <ac:graphicFrameMkLst>
-            <pc:docMk/>
-            <pc:sldMk cId="0" sldId="522"/>
-            <ac:graphicFrameMk id="18436" creationId="{00000000-0000-0000-0000-000000000000}"/>
-          </ac:graphicFrameMkLst>
-        </pc:graphicFrameChg>
-      </pc:sldChg>
-      <pc:sldChg chg="modSp add">
-        <pc:chgData name="" userId="e6793c7ac87b5dd5" providerId="LiveId" clId="{335F0835-02A6-4104-A867-EEB2C06A5A4D}" dt="2023-09-23T16:48:25.898" v="2331" actId="20577"/>
-        <pc:sldMkLst>
-          <pc:docMk/>
-          <pc:sldMk cId="0" sldId="523"/>
-        </pc:sldMkLst>
-        <pc:spChg chg="mod">
-          <ac:chgData name="" userId="e6793c7ac87b5dd5" providerId="LiveId" clId="{335F0835-02A6-4104-A867-EEB2C06A5A4D}" dt="2023-09-23T16:47:11.003" v="2322" actId="122"/>
-          <ac:spMkLst>
-            <pc:docMk/>
-            <pc:sldMk cId="0" sldId="523"/>
-            <ac:spMk id="19458" creationId="{00000000-0000-0000-0000-000000000000}"/>
-          </ac:spMkLst>
-        </pc:spChg>
-        <pc:spChg chg="mod">
-          <ac:chgData name="" userId="e6793c7ac87b5dd5" providerId="LiveId" clId="{335F0835-02A6-4104-A867-EEB2C06A5A4D}" dt="2023-09-23T16:48:25.898" v="2331" actId="20577"/>
-          <ac:spMkLst>
-            <pc:docMk/>
-            <pc:sldMk cId="0" sldId="523"/>
-            <ac:spMk id="19459" creationId="{00000000-0000-0000-0000-000000000000}"/>
-          </ac:spMkLst>
-        </pc:spChg>
-        <pc:graphicFrameChg chg="mod">
-          <ac:chgData name="" userId="e6793c7ac87b5dd5" providerId="LiveId" clId="{335F0835-02A6-4104-A867-EEB2C06A5A4D}" dt="2023-09-23T16:48:16.453" v="2329" actId="14100"/>
-          <ac:graphicFrameMkLst>
-            <pc:docMk/>
-            <pc:sldMk cId="0" sldId="523"/>
-            <ac:graphicFrameMk id="19460" creationId="{00000000-0000-0000-0000-000000000000}"/>
-          </ac:graphicFrameMkLst>
-        </pc:graphicFrameChg>
-      </pc:sldChg>
-      <pc:sldChg chg="addSp modSp add">
-        <pc:chgData name="" userId="e6793c7ac87b5dd5" providerId="LiveId" clId="{335F0835-02A6-4104-A867-EEB2C06A5A4D}" dt="2023-09-24T06:05:49.792" v="2497" actId="6549"/>
-        <pc:sldMkLst>
-          <pc:docMk/>
-          <pc:sldMk cId="0" sldId="525"/>
-        </pc:sldMkLst>
-        <pc:spChg chg="mod">
-          <ac:chgData name="" userId="e6793c7ac87b5dd5" providerId="LiveId" clId="{335F0835-02A6-4104-A867-EEB2C06A5A4D}" dt="2023-09-23T15:52:04.135" v="2170" actId="1035"/>
-          <ac:spMkLst>
-            <pc:docMk/>
-            <pc:sldMk cId="0" sldId="525"/>
-            <ac:spMk id="8194" creationId="{00000000-0000-0000-0000-000000000000}"/>
-          </ac:spMkLst>
-        </pc:spChg>
-        <pc:spChg chg="mod">
-          <ac:chgData name="" userId="e6793c7ac87b5dd5" providerId="LiveId" clId="{335F0835-02A6-4104-A867-EEB2C06A5A4D}" dt="2023-09-24T06:05:49.792" v="2497" actId="6549"/>
-          <ac:spMkLst>
-            <pc:docMk/>
-            <pc:sldMk cId="0" sldId="525"/>
-            <ac:spMk id="8195" creationId="{00000000-0000-0000-0000-000000000000}"/>
-          </ac:spMkLst>
-        </pc:spChg>
-        <pc:picChg chg="add mod">
-          <ac:chgData name="" userId="e6793c7ac87b5dd5" providerId="LiveId" clId="{335F0835-02A6-4104-A867-EEB2C06A5A4D}" dt="2023-09-24T06:02:41.984" v="2484" actId="14100"/>
-          <ac:picMkLst>
-            <pc:docMk/>
-            <pc:sldMk cId="0" sldId="525"/>
-            <ac:picMk id="2" creationId="{12718357-23A9-4783-AD82-5E1767DDCA9D}"/>
-          </ac:picMkLst>
-        </pc:picChg>
-      </pc:sldChg>
-      <pc:sldChg chg="modSp add">
-        <pc:chgData name="" userId="e6793c7ac87b5dd5" providerId="LiveId" clId="{335F0835-02A6-4104-A867-EEB2C06A5A4D}" dt="2023-09-23T16:48:50.103" v="2339" actId="255"/>
-        <pc:sldMkLst>
-          <pc:docMk/>
-          <pc:sldMk cId="0" sldId="527"/>
-        </pc:sldMkLst>
-        <pc:spChg chg="mod">
-          <ac:chgData name="" userId="e6793c7ac87b5dd5" providerId="LiveId" clId="{335F0835-02A6-4104-A867-EEB2C06A5A4D}" dt="2023-09-23T16:48:36.593" v="2335" actId="122"/>
-          <ac:spMkLst>
-            <pc:docMk/>
-            <pc:sldMk cId="0" sldId="527"/>
-            <ac:spMk id="20482" creationId="{00000000-0000-0000-0000-000000000000}"/>
-          </ac:spMkLst>
-        </pc:spChg>
-        <pc:spChg chg="mod">
-          <ac:chgData name="" userId="e6793c7ac87b5dd5" providerId="LiveId" clId="{335F0835-02A6-4104-A867-EEB2C06A5A4D}" dt="2023-09-23T16:48:50.103" v="2339" actId="255"/>
-          <ac:spMkLst>
-            <pc:docMk/>
-            <pc:sldMk cId="0" sldId="527"/>
-            <ac:spMk id="20483" creationId="{00000000-0000-0000-0000-000000000000}"/>
-          </ac:spMkLst>
-        </pc:spChg>
-      </pc:sldChg>
-      <pc:sldChg chg="modSp add">
-        <pc:chgData name="" userId="e6793c7ac87b5dd5" providerId="LiveId" clId="{335F0835-02A6-4104-A867-EEB2C06A5A4D}" dt="2023-09-23T16:49:27.703" v="2346" actId="14100"/>
-        <pc:sldMkLst>
-          <pc:docMk/>
-          <pc:sldMk cId="0" sldId="528"/>
-        </pc:sldMkLst>
-        <pc:spChg chg="mod">
-          <ac:chgData name="" userId="e6793c7ac87b5dd5" providerId="LiveId" clId="{335F0835-02A6-4104-A867-EEB2C06A5A4D}" dt="2023-09-23T16:49:08.463" v="2343" actId="1076"/>
-          <ac:spMkLst>
-            <pc:docMk/>
-            <pc:sldMk cId="0" sldId="528"/>
-            <ac:spMk id="21506" creationId="{00000000-0000-0000-0000-000000000000}"/>
-          </ac:spMkLst>
-        </pc:spChg>
-        <pc:spChg chg="mod">
-          <ac:chgData name="" userId="e6793c7ac87b5dd5" providerId="LiveId" clId="{335F0835-02A6-4104-A867-EEB2C06A5A4D}" dt="2023-09-23T16:49:13.447" v="2344" actId="14100"/>
-          <ac:spMkLst>
-            <pc:docMk/>
-            <pc:sldMk cId="0" sldId="528"/>
-            <ac:spMk id="21507" creationId="{00000000-0000-0000-0000-000000000000}"/>
-          </ac:spMkLst>
-        </pc:spChg>
-        <pc:picChg chg="mod">
-          <ac:chgData name="" userId="e6793c7ac87b5dd5" providerId="LiveId" clId="{335F0835-02A6-4104-A867-EEB2C06A5A4D}" dt="2023-09-23T16:49:27.703" v="2346" actId="14100"/>
-          <ac:picMkLst>
-            <pc:docMk/>
-            <pc:sldMk cId="0" sldId="528"/>
-            <ac:picMk id="21508" creationId="{00000000-0000-0000-0000-000000000000}"/>
-          </ac:picMkLst>
-        </pc:picChg>
-      </pc:sldChg>
-      <pc:sldChg chg="modSp add">
-        <pc:chgData name="" userId="e6793c7ac87b5dd5" providerId="LiveId" clId="{335F0835-02A6-4104-A867-EEB2C06A5A4D}" dt="2023-09-23T16:50:31.493" v="2358" actId="1036"/>
-        <pc:sldMkLst>
-          <pc:docMk/>
-          <pc:sldMk cId="0" sldId="531"/>
-        </pc:sldMkLst>
-        <pc:spChg chg="mod">
-          <ac:chgData name="" userId="e6793c7ac87b5dd5" providerId="LiveId" clId="{335F0835-02A6-4104-A867-EEB2C06A5A4D}" dt="2023-09-23T16:49:54.423" v="2350" actId="122"/>
-          <ac:spMkLst>
-            <pc:docMk/>
-            <pc:sldMk cId="0" sldId="531"/>
-            <ac:spMk id="22530" creationId="{00000000-0000-0000-0000-000000000000}"/>
-          </ac:spMkLst>
-        </pc:spChg>
-        <pc:spChg chg="mod">
-          <ac:chgData name="" userId="e6793c7ac87b5dd5" providerId="LiveId" clId="{335F0835-02A6-4104-A867-EEB2C06A5A4D}" dt="2023-09-23T16:49:59.153" v="2351" actId="14100"/>
-          <ac:spMkLst>
-            <pc:docMk/>
-            <pc:sldMk cId="0" sldId="531"/>
-            <ac:spMk id="22531" creationId="{00000000-0000-0000-0000-000000000000}"/>
-          </ac:spMkLst>
-        </pc:spChg>
-        <pc:graphicFrameChg chg="mod">
-          <ac:chgData name="" userId="e6793c7ac87b5dd5" providerId="LiveId" clId="{335F0835-02A6-4104-A867-EEB2C06A5A4D}" dt="2023-09-23T16:50:31.493" v="2358" actId="1036"/>
-          <ac:graphicFrameMkLst>
-            <pc:docMk/>
-            <pc:sldMk cId="0" sldId="531"/>
-            <ac:graphicFrameMk id="22532" creationId="{00000000-0000-0000-0000-000000000000}"/>
-          </ac:graphicFrameMkLst>
-        </pc:graphicFrameChg>
-      </pc:sldChg>
-      <pc:sldChg chg="modSp add">
-        <pc:chgData name="" userId="e6793c7ac87b5dd5" providerId="LiveId" clId="{335F0835-02A6-4104-A867-EEB2C06A5A4D}" dt="2023-09-23T16:54:40.346" v="2382" actId="20577"/>
-        <pc:sldMkLst>
-          <pc:docMk/>
-          <pc:sldMk cId="0" sldId="532"/>
-        </pc:sldMkLst>
-        <pc:spChg chg="mod">
-          <ac:chgData name="" userId="e6793c7ac87b5dd5" providerId="LiveId" clId="{335F0835-02A6-4104-A867-EEB2C06A5A4D}" dt="2023-09-23T16:54:24.581" v="2377" actId="122"/>
-          <ac:spMkLst>
-            <pc:docMk/>
-            <pc:sldMk cId="0" sldId="532"/>
-            <ac:spMk id="25602" creationId="{00000000-0000-0000-0000-000000000000}"/>
-          </ac:spMkLst>
-        </pc:spChg>
-        <pc:spChg chg="mod">
-          <ac:chgData name="" userId="e6793c7ac87b5dd5" providerId="LiveId" clId="{335F0835-02A6-4104-A867-EEB2C06A5A4D}" dt="2023-09-23T16:54:40.346" v="2382" actId="20577"/>
-          <ac:spMkLst>
-            <pc:docMk/>
-            <pc:sldMk cId="0" sldId="532"/>
-            <ac:spMk id="25603" creationId="{00000000-0000-0000-0000-000000000000}"/>
-          </ac:spMkLst>
-        </pc:spChg>
-      </pc:sldChg>
-      <pc:sldChg chg="modSp add">
-        <pc:chgData name="" userId="e6793c7ac87b5dd5" providerId="LiveId" clId="{335F0835-02A6-4104-A867-EEB2C06A5A4D}" dt="2023-09-23T16:57:40.946" v="2449" actId="255"/>
-        <pc:sldMkLst>
-          <pc:docMk/>
-          <pc:sldMk cId="0" sldId="534"/>
-        </pc:sldMkLst>
-        <pc:spChg chg="mod">
-          <ac:chgData name="" userId="e6793c7ac87b5dd5" providerId="LiveId" clId="{335F0835-02A6-4104-A867-EEB2C06A5A4D}" dt="2023-09-23T16:57:29.931" v="2445" actId="122"/>
-          <ac:spMkLst>
-            <pc:docMk/>
-            <pc:sldMk cId="0" sldId="534"/>
-            <ac:spMk id="28674" creationId="{00000000-0000-0000-0000-000000000000}"/>
-          </ac:spMkLst>
-        </pc:spChg>
-        <pc:spChg chg="mod">
-          <ac:chgData name="" userId="e6793c7ac87b5dd5" providerId="LiveId" clId="{335F0835-02A6-4104-A867-EEB2C06A5A4D}" dt="2023-09-23T16:57:40.946" v="2449" actId="255"/>
-          <ac:spMkLst>
-            <pc:docMk/>
-            <pc:sldMk cId="0" sldId="534"/>
-            <ac:spMk id="28675" creationId="{00000000-0000-0000-0000-000000000000}"/>
-          </ac:spMkLst>
-        </pc:spChg>
-      </pc:sldChg>
-      <pc:sldChg chg="modSp add">
-        <pc:chgData name="" userId="e6793c7ac87b5dd5" providerId="LiveId" clId="{335F0835-02A6-4104-A867-EEB2C06A5A4D}" dt="2023-09-23T16:57:11.481" v="2441" actId="207"/>
-        <pc:sldMkLst>
-          <pc:docMk/>
-          <pc:sldMk cId="0" sldId="550"/>
-        </pc:sldMkLst>
-        <pc:spChg chg="mod">
-          <ac:chgData name="" userId="e6793c7ac87b5dd5" providerId="LiveId" clId="{335F0835-02A6-4104-A867-EEB2C06A5A4D}" dt="2023-09-23T16:57:11.481" v="2441" actId="207"/>
-          <ac:spMkLst>
-            <pc:docMk/>
-            <pc:sldMk cId="0" sldId="550"/>
-            <ac:spMk id="27650" creationId="{00000000-0000-0000-0000-000000000000}"/>
-          </ac:spMkLst>
-        </pc:spChg>
-        <pc:spChg chg="mod">
-          <ac:chgData name="" userId="e6793c7ac87b5dd5" providerId="LiveId" clId="{335F0835-02A6-4104-A867-EEB2C06A5A4D}" dt="2023-09-23T16:57:00.042" v="2438" actId="122"/>
-          <ac:spMkLst>
-            <pc:docMk/>
-            <pc:sldMk cId="0" sldId="550"/>
-            <ac:spMk id="27652" creationId="{00000000-0000-0000-0000-000000000000}"/>
-          </ac:spMkLst>
-        </pc:spChg>
-      </pc:sldChg>
-      <pc:sldChg chg="modSp add">
-        <pc:chgData name="" userId="e6793c7ac87b5dd5" providerId="LiveId" clId="{335F0835-02A6-4104-A867-EEB2C06A5A4D}" dt="2023-09-23T16:58:08.076" v="2457" actId="255"/>
-        <pc:sldMkLst>
-          <pc:docMk/>
-          <pc:sldMk cId="0" sldId="552"/>
-        </pc:sldMkLst>
-        <pc:spChg chg="mod">
-          <ac:chgData name="" userId="e6793c7ac87b5dd5" providerId="LiveId" clId="{335F0835-02A6-4104-A867-EEB2C06A5A4D}" dt="2023-09-23T16:57:56.691" v="2453" actId="122"/>
-          <ac:spMkLst>
-            <pc:docMk/>
-            <pc:sldMk cId="0" sldId="552"/>
-            <ac:spMk id="29698" creationId="{00000000-0000-0000-0000-000000000000}"/>
-          </ac:spMkLst>
-        </pc:spChg>
-        <pc:spChg chg="mod">
-          <ac:chgData name="" userId="e6793c7ac87b5dd5" providerId="LiveId" clId="{335F0835-02A6-4104-A867-EEB2C06A5A4D}" dt="2023-09-23T16:58:08.076" v="2457" actId="255"/>
-          <ac:spMkLst>
-            <pc:docMk/>
-            <pc:sldMk cId="0" sldId="552"/>
-            <ac:spMk id="29699" creationId="{00000000-0000-0000-0000-000000000000}"/>
-          </ac:spMkLst>
-        </pc:spChg>
-      </pc:sldChg>
-      <pc:sldChg chg="modSp add">
-        <pc:chgData name="" userId="e6793c7ac87b5dd5" providerId="LiveId" clId="{335F0835-02A6-4104-A867-EEB2C06A5A4D}" dt="2023-09-23T15:59:43.881" v="2207" actId="14100"/>
-        <pc:sldMkLst>
-          <pc:docMk/>
-          <pc:sldMk cId="0" sldId="572"/>
-        </pc:sldMkLst>
-        <pc:spChg chg="mod">
-          <ac:chgData name="" userId="e6793c7ac87b5dd5" providerId="LiveId" clId="{335F0835-02A6-4104-A867-EEB2C06A5A4D}" dt="2023-09-23T15:58:42.045" v="2194" actId="122"/>
-          <ac:spMkLst>
-            <pc:docMk/>
-            <pc:sldMk cId="0" sldId="572"/>
-            <ac:spMk id="15362" creationId="{00000000-0000-0000-0000-000000000000}"/>
-          </ac:spMkLst>
-        </pc:spChg>
-        <pc:spChg chg="mod">
-          <ac:chgData name="" userId="e6793c7ac87b5dd5" providerId="LiveId" clId="{335F0835-02A6-4104-A867-EEB2C06A5A4D}" dt="2023-09-23T15:59:43.881" v="2207" actId="14100"/>
-          <ac:spMkLst>
-            <pc:docMk/>
-            <pc:sldMk cId="0" sldId="572"/>
-            <ac:spMk id="15363" creationId="{00000000-0000-0000-0000-000000000000}"/>
-          </ac:spMkLst>
-        </pc:spChg>
-      </pc:sldChg>
-      <pc:sldChg chg="modSp add">
-        <pc:chgData name="" userId="e6793c7ac87b5dd5" providerId="LiveId" clId="{335F0835-02A6-4104-A867-EEB2C06A5A4D}" dt="2023-09-23T16:43:43.928" v="2237" actId="123"/>
-        <pc:sldMkLst>
-          <pc:docMk/>
-          <pc:sldMk cId="3643873207" sldId="663"/>
-        </pc:sldMkLst>
-        <pc:spChg chg="mod">
-          <ac:chgData name="" userId="e6793c7ac87b5dd5" providerId="LiveId" clId="{335F0835-02A6-4104-A867-EEB2C06A5A4D}" dt="2023-09-23T16:42:16.072" v="2212" actId="122"/>
-          <ac:spMkLst>
-            <pc:docMk/>
-            <pc:sldMk cId="3643873207" sldId="663"/>
-            <ac:spMk id="14338" creationId="{00000000-0000-0000-0000-000000000000}"/>
-          </ac:spMkLst>
-        </pc:spChg>
-        <pc:spChg chg="mod">
-          <ac:chgData name="" userId="e6793c7ac87b5dd5" providerId="LiveId" clId="{335F0835-02A6-4104-A867-EEB2C06A5A4D}" dt="2023-09-23T16:43:43.928" v="2237" actId="123"/>
-          <ac:spMkLst>
-            <pc:docMk/>
-            <pc:sldMk cId="3643873207" sldId="663"/>
-            <ac:spMk id="14339" creationId="{00000000-0000-0000-0000-000000000000}"/>
-          </ac:spMkLst>
-        </pc:spChg>
-      </pc:sldChg>
-      <pc:sldChg chg="modSp add">
-        <pc:chgData name="" userId="e6793c7ac87b5dd5" providerId="LiveId" clId="{335F0835-02A6-4104-A867-EEB2C06A5A4D}" dt="2023-09-23T16:56:45.911" v="2433" actId="2711"/>
-        <pc:sldMkLst>
-          <pc:docMk/>
-          <pc:sldMk cId="2057696753" sldId="678"/>
-        </pc:sldMkLst>
-        <pc:spChg chg="mod">
-          <ac:chgData name="" userId="e6793c7ac87b5dd5" providerId="LiveId" clId="{335F0835-02A6-4104-A867-EEB2C06A5A4D}" dt="2023-09-23T16:54:55.471" v="2387" actId="122"/>
-          <ac:spMkLst>
-            <pc:docMk/>
-            <pc:sldMk cId="2057696753" sldId="678"/>
-            <ac:spMk id="26626" creationId="{00000000-0000-0000-0000-000000000000}"/>
-          </ac:spMkLst>
-        </pc:spChg>
-        <pc:spChg chg="mod">
-          <ac:chgData name="" userId="e6793c7ac87b5dd5" providerId="LiveId" clId="{335F0835-02A6-4104-A867-EEB2C06A5A4D}" dt="2023-09-23T16:56:45.911" v="2433" actId="2711"/>
-          <ac:spMkLst>
-            <pc:docMk/>
-            <pc:sldMk cId="2057696753" sldId="678"/>
-            <ac:spMk id="26627" creationId="{00000000-0000-0000-0000-000000000000}"/>
-          </ac:spMkLst>
-        </pc:spChg>
-        <pc:picChg chg="mod">
-          <ac:chgData name="" userId="e6793c7ac87b5dd5" providerId="LiveId" clId="{335F0835-02A6-4104-A867-EEB2C06A5A4D}" dt="2023-09-23T16:55:31.475" v="2430" actId="1036"/>
-          <ac:picMkLst>
-            <pc:docMk/>
-            <pc:sldMk cId="2057696753" sldId="678"/>
-            <ac:picMk id="4" creationId="{9AB54409-6EE6-4A1C-9D0B-7CD3AF6E4659}"/>
-          </ac:picMkLst>
-        </pc:picChg>
-        <pc:picChg chg="mod">
-          <ac:chgData name="" userId="e6793c7ac87b5dd5" providerId="LiveId" clId="{335F0835-02A6-4104-A867-EEB2C06A5A4D}" dt="2023-09-23T16:55:31.475" v="2430" actId="1036"/>
-          <ac:picMkLst>
-            <pc:docMk/>
-            <pc:sldMk cId="2057696753" sldId="678"/>
-            <ac:picMk id="9" creationId="{681AF5E1-14E2-4B56-A568-ADB4A4652A48}"/>
-          </ac:picMkLst>
-        </pc:picChg>
-        <pc:picChg chg="mod">
-          <ac:chgData name="" userId="e6793c7ac87b5dd5" providerId="LiveId" clId="{335F0835-02A6-4104-A867-EEB2C06A5A4D}" dt="2023-09-23T16:55:31.475" v="2430" actId="1036"/>
-          <ac:picMkLst>
-            <pc:docMk/>
-            <pc:sldMk cId="2057696753" sldId="678"/>
-            <ac:picMk id="11" creationId="{B986DA59-19B3-4F8E-A616-32746CC7069A}"/>
-          </ac:picMkLst>
-        </pc:picChg>
-      </pc:sldChg>
-      <pc:sldChg chg="addSp delSp modSp add">
-        <pc:chgData name="" userId="e6793c7ac87b5dd5" providerId="LiveId" clId="{335F0835-02A6-4104-A867-EEB2C06A5A4D}" dt="2023-09-24T07:39:46.371" v="2556" actId="20577"/>
-        <pc:sldMkLst>
-          <pc:docMk/>
-          <pc:sldMk cId="301152134" sldId="680"/>
-        </pc:sldMkLst>
-        <pc:spChg chg="mod">
-          <ac:chgData name="" userId="e6793c7ac87b5dd5" providerId="LiveId" clId="{335F0835-02A6-4104-A867-EEB2C06A5A4D}" dt="2023-09-24T07:39:46.371" v="2556" actId="20577"/>
-          <ac:spMkLst>
-            <pc:docMk/>
-            <pc:sldMk cId="301152134" sldId="680"/>
-            <ac:spMk id="3" creationId="{EA68E610-DD25-431B-85F0-D5B68EABBE7F}"/>
-          </ac:spMkLst>
-        </pc:spChg>
-        <pc:picChg chg="mod">
-          <ac:chgData name="" userId="e6793c7ac87b5dd5" providerId="LiveId" clId="{335F0835-02A6-4104-A867-EEB2C06A5A4D}" dt="2023-09-24T07:32:41.098" v="2537" actId="14100"/>
-          <ac:picMkLst>
-            <pc:docMk/>
-            <pc:sldMk cId="301152134" sldId="680"/>
-            <ac:picMk id="5" creationId="{EB204161-85F3-4C57-855C-3FA907E4745C}"/>
-          </ac:picMkLst>
-        </pc:picChg>
-        <pc:picChg chg="mod">
-          <ac:chgData name="" userId="e6793c7ac87b5dd5" providerId="LiveId" clId="{335F0835-02A6-4104-A867-EEB2C06A5A4D}" dt="2023-09-24T07:32:45.413" v="2539" actId="14100"/>
-          <ac:picMkLst>
-            <pc:docMk/>
-            <pc:sldMk cId="301152134" sldId="680"/>
-            <ac:picMk id="6" creationId="{E439476C-051E-444E-BAB0-CC0C40C4D9C3}"/>
-          </ac:picMkLst>
-        </pc:picChg>
-        <pc:picChg chg="add del mod">
-          <ac:chgData name="" userId="e6793c7ac87b5dd5" providerId="LiveId" clId="{335F0835-02A6-4104-A867-EEB2C06A5A4D}" dt="2023-09-24T07:33:04.433" v="2544" actId="478"/>
-          <ac:picMkLst>
-            <pc:docMk/>
-            <pc:sldMk cId="301152134" sldId="680"/>
-            <ac:picMk id="7" creationId="{92578482-DD50-4E67-B65B-B6490F097555}"/>
-          </ac:picMkLst>
-        </pc:picChg>
-      </pc:sldChg>
-      <pc:sldChg chg="add">
-        <pc:chgData name="" userId="e6793c7ac87b5dd5" providerId="LiveId" clId="{335F0835-02A6-4104-A867-EEB2C06A5A4D}" dt="2023-09-24T07:32:55.190" v="2542"/>
+      <pc:sldChg chg="modSp">
+        <pc:chgData name="" userId="e6793c7ac87b5dd5" providerId="LiveId" clId="{F674413E-B023-4B86-859E-0ADFA50BCF28}" dt="2023-10-04T10:02:01.920" v="19" actId="114"/>
         <pc:sldMkLst>
           <pc:docMk/>
           <pc:sldMk cId="955200714" sldId="681"/>
         </pc:sldMkLst>
-      </pc:sldChg>
-      <pc:sldChg chg="addSp delSp modSp add">
-        <pc:chgData name="" userId="e6793c7ac87b5dd5" providerId="LiveId" clId="{335F0835-02A6-4104-A867-EEB2C06A5A4D}" dt="2023-09-24T07:46:37.389" v="2568" actId="20577"/>
-        <pc:sldMkLst>
-          <pc:docMk/>
-          <pc:sldMk cId="4134777565" sldId="682"/>
-        </pc:sldMkLst>
         <pc:spChg chg="mod">
-          <ac:chgData name="" userId="e6793c7ac87b5dd5" providerId="LiveId" clId="{335F0835-02A6-4104-A867-EEB2C06A5A4D}" dt="2023-09-24T07:46:37.389" v="2568" actId="20577"/>
+          <ac:chgData name="" userId="e6793c7ac87b5dd5" providerId="LiveId" clId="{F674413E-B023-4B86-859E-0ADFA50BCF28}" dt="2023-10-04T10:02:01.920" v="19" actId="114"/>
           <ac:spMkLst>
             <pc:docMk/>
-            <pc:sldMk cId="4134777565" sldId="682"/>
+            <pc:sldMk cId="955200714" sldId="681"/>
             <ac:spMk id="3" creationId="{EA68E610-DD25-431B-85F0-D5B68EABBE7F}"/>
           </ac:spMkLst>
         </pc:spChg>
-        <pc:picChg chg="del">
-          <ac:chgData name="" userId="e6793c7ac87b5dd5" providerId="LiveId" clId="{335F0835-02A6-4104-A867-EEB2C06A5A4D}" dt="2023-09-24T07:44:27.236" v="2564" actId="478"/>
-          <ac:picMkLst>
-            <pc:docMk/>
-            <pc:sldMk cId="4134777565" sldId="682"/>
-            <ac:picMk id="4" creationId="{CB6A4F5F-F8C9-4FB5-B7B3-BFD5D29E8C73}"/>
-          </ac:picMkLst>
-        </pc:picChg>
-        <pc:picChg chg="add mod">
-          <ac:chgData name="" userId="e6793c7ac87b5dd5" providerId="LiveId" clId="{335F0835-02A6-4104-A867-EEB2C06A5A4D}" dt="2023-09-24T07:44:31.582" v="2566" actId="1076"/>
-          <ac:picMkLst>
-            <pc:docMk/>
-            <pc:sldMk cId="4134777565" sldId="682"/>
-            <ac:picMk id="8" creationId="{404E9F56-4E52-4466-A62F-1B7B5C5103B5}"/>
-          </ac:picMkLst>
-        </pc:picChg>
       </pc:sldChg>
-      <pc:sldChg chg="addSp delSp modSp add">
-        <pc:chgData name="" userId="e6793c7ac87b5dd5" providerId="LiveId" clId="{335F0835-02A6-4104-A867-EEB2C06A5A4D}" dt="2023-09-28T13:02:47.843" v="2710" actId="478"/>
-        <pc:sldMkLst>
-          <pc:docMk/>
-          <pc:sldMk cId="1370408375" sldId="683"/>
-        </pc:sldMkLst>
-        <pc:spChg chg="mod">
-          <ac:chgData name="" userId="e6793c7ac87b5dd5" providerId="LiveId" clId="{335F0835-02A6-4104-A867-EEB2C06A5A4D}" dt="2023-09-24T08:01:39.195" v="2571" actId="6549"/>
-          <ac:spMkLst>
-            <pc:docMk/>
-            <pc:sldMk cId="1370408375" sldId="683"/>
-            <ac:spMk id="3" creationId="{EA68E610-DD25-431B-85F0-D5B68EABBE7F}"/>
-          </ac:spMkLst>
-        </pc:spChg>
-        <pc:graphicFrameChg chg="add del">
-          <ac:chgData name="" userId="e6793c7ac87b5dd5" providerId="LiveId" clId="{335F0835-02A6-4104-A867-EEB2C06A5A4D}" dt="2023-09-28T13:02:47.259" v="2709"/>
-          <ac:graphicFrameMkLst>
-            <pc:docMk/>
-            <pc:sldMk cId="1370408375" sldId="683"/>
-            <ac:graphicFrameMk id="8" creationId="{083AE583-14E2-49C1-B2C6-8CC9043BBD0F}"/>
-          </ac:graphicFrameMkLst>
-        </pc:graphicFrameChg>
-        <pc:picChg chg="add del mod">
-          <ac:chgData name="" userId="e6793c7ac87b5dd5" providerId="LiveId" clId="{335F0835-02A6-4104-A867-EEB2C06A5A4D}" dt="2023-09-28T13:02:47.843" v="2710" actId="478"/>
-          <ac:picMkLst>
-            <pc:docMk/>
-            <pc:sldMk cId="1370408375" sldId="683"/>
-            <ac:picMk id="4" creationId="{765E7F5A-F108-4E2B-B707-2CB81B325A79}"/>
-          </ac:picMkLst>
-        </pc:picChg>
-        <pc:picChg chg="del">
-          <ac:chgData name="" userId="e6793c7ac87b5dd5" providerId="LiveId" clId="{335F0835-02A6-4104-A867-EEB2C06A5A4D}" dt="2023-09-24T08:01:36.230" v="2570" actId="478"/>
-          <ac:picMkLst>
-            <pc:docMk/>
-            <pc:sldMk cId="1370408375" sldId="683"/>
-            <ac:picMk id="6" creationId="{DA21D1CE-2EE7-4BF3-868F-0FE29F60AF16}"/>
-          </ac:picMkLst>
-        </pc:picChg>
-        <pc:picChg chg="add mod">
-          <ac:chgData name="" userId="e6793c7ac87b5dd5" providerId="LiveId" clId="{335F0835-02A6-4104-A867-EEB2C06A5A4D}" dt="2023-09-24T08:02:51.678" v="2581" actId="1076"/>
-          <ac:picMkLst>
-            <pc:docMk/>
-            <pc:sldMk cId="1370408375" sldId="683"/>
-            <ac:picMk id="7" creationId="{64798EE3-F1BA-4A81-8C90-6F53CD3F1DF5}"/>
-          </ac:picMkLst>
-        </pc:picChg>
-      </pc:sldChg>
-      <pc:sldChg chg="addSp delSp modSp add">
-        <pc:chgData name="" userId="e6793c7ac87b5dd5" providerId="LiveId" clId="{335F0835-02A6-4104-A867-EEB2C06A5A4D}" dt="2023-09-28T13:02:52.285" v="2715" actId="478"/>
+      <pc:sldChg chg="modSp">
+        <pc:chgData name="" userId="e6793c7ac87b5dd5" providerId="LiveId" clId="{F674413E-B023-4B86-859E-0ADFA50BCF28}" dt="2023-10-04T10:15:20.708" v="106" actId="5793"/>
         <pc:sldMkLst>
           <pc:docMk/>
           <pc:sldMk cId="2698329761" sldId="684"/>
         </pc:sldMkLst>
         <pc:spChg chg="mod">
-          <ac:chgData name="" userId="e6793c7ac87b5dd5" providerId="LiveId" clId="{335F0835-02A6-4104-A867-EEB2C06A5A4D}" dt="2023-09-24T08:04:58.952" v="2584" actId="6549"/>
+          <ac:chgData name="" userId="e6793c7ac87b5dd5" providerId="LiveId" clId="{F674413E-B023-4B86-859E-0ADFA50BCF28}" dt="2023-10-04T10:15:20.708" v="106" actId="5793"/>
           <ac:spMkLst>
             <pc:docMk/>
             <pc:sldMk cId="2698329761" sldId="684"/>
             <ac:spMk id="3" creationId="{EA68E610-DD25-431B-85F0-D5B68EABBE7F}"/>
           </ac:spMkLst>
         </pc:spChg>
-        <pc:graphicFrameChg chg="add del mod">
-          <ac:chgData name="" userId="e6793c7ac87b5dd5" providerId="LiveId" clId="{335F0835-02A6-4104-A867-EEB2C06A5A4D}" dt="2023-09-28T13:02:50.796" v="2714"/>
-          <ac:graphicFrameMkLst>
+      </pc:sldChg>
+      <pc:sldChg chg="modSp">
+        <pc:chgData name="" userId="e6793c7ac87b5dd5" providerId="LiveId" clId="{F674413E-B023-4B86-859E-0ADFA50BCF28}" dt="2023-10-04T10:14:36.747" v="94" actId="6549"/>
+        <pc:sldMkLst>
+          <pc:docMk/>
+          <pc:sldMk cId="3439275610" sldId="685"/>
+        </pc:sldMkLst>
+        <pc:spChg chg="mod">
+          <ac:chgData name="" userId="e6793c7ac87b5dd5" providerId="LiveId" clId="{F674413E-B023-4B86-859E-0ADFA50BCF28}" dt="2023-10-04T10:14:36.747" v="94" actId="6549"/>
+          <ac:spMkLst>
             <pc:docMk/>
-            <pc:sldMk cId="2698329761" sldId="684"/>
-            <ac:graphicFrameMk id="9" creationId="{227F93F4-3603-4D3E-9C61-3352B1BF3C81}"/>
-          </ac:graphicFrameMkLst>
-        </pc:graphicFrameChg>
-        <pc:picChg chg="del">
-          <ac:chgData name="" userId="e6793c7ac87b5dd5" providerId="LiveId" clId="{335F0835-02A6-4104-A867-EEB2C06A5A4D}" dt="2023-09-24T08:04:55.372" v="2583" actId="478"/>
+            <pc:sldMk cId="3439275610" sldId="685"/>
+            <ac:spMk id="3" creationId="{EA68E610-DD25-431B-85F0-D5B68EABBE7F}"/>
+          </ac:spMkLst>
+        </pc:spChg>
+        <pc:picChg chg="mod">
+          <ac:chgData name="" userId="e6793c7ac87b5dd5" providerId="LiveId" clId="{F674413E-B023-4B86-859E-0ADFA50BCF28}" dt="2023-10-04T10:14:31.305" v="79" actId="1076"/>
           <ac:picMkLst>
             <pc:docMk/>
-            <pc:sldMk cId="2698329761" sldId="684"/>
-            <ac:picMk id="5" creationId="{BE5395A6-0DB4-48AA-A6A2-59E22CDF3FA3}"/>
-          </ac:picMkLst>
-        </pc:picChg>
-        <pc:picChg chg="mod">
-          <ac:chgData name="" userId="e6793c7ac87b5dd5" providerId="LiveId" clId="{335F0835-02A6-4104-A867-EEB2C06A5A4D}" dt="2023-09-24T08:05:03.571" v="2585" actId="1076"/>
-          <ac:picMkLst>
-            <pc:docMk/>
-            <pc:sldMk cId="2698329761" sldId="684"/>
-            <ac:picMk id="6" creationId="{DA21D1CE-2EE7-4BF3-868F-0FE29F60AF16}"/>
-          </ac:picMkLst>
-        </pc:picChg>
-        <pc:picChg chg="add del mod">
-          <ac:chgData name="" userId="e6793c7ac87b5dd5" providerId="LiveId" clId="{335F0835-02A6-4104-A867-EEB2C06A5A4D}" dt="2023-09-28T13:02:52.285" v="2715" actId="478"/>
-          <ac:picMkLst>
-            <pc:docMk/>
-            <pc:sldMk cId="2698329761" sldId="684"/>
-            <ac:picMk id="7" creationId="{2AB4EFBF-F9D5-4E6C-8E80-A9895E0CC7BC}"/>
-          </ac:picMkLst>
-        </pc:picChg>
-        <pc:picChg chg="add mod">
-          <ac:chgData name="" userId="e6793c7ac87b5dd5" providerId="LiveId" clId="{335F0835-02A6-4104-A867-EEB2C06A5A4D}" dt="2023-09-24T08:05:20.043" v="2598" actId="1036"/>
-          <ac:picMkLst>
-            <pc:docMk/>
-            <pc:sldMk cId="2698329761" sldId="684"/>
+            <pc:sldMk cId="3439275610" sldId="685"/>
             <ac:picMk id="8" creationId="{9F99C918-30A6-4B70-AB97-8DADFBC2BCD5}"/>
           </ac:picMkLst>
         </pc:picChg>
       </pc:sldChg>
-      <pc:sldChg chg="addSp delSp modSp add">
-        <pc:chgData name="" userId="e6793c7ac87b5dd5" providerId="LiveId" clId="{335F0835-02A6-4104-A867-EEB2C06A5A4D}" dt="2023-09-28T13:02:49.388" v="2712" actId="478"/>
-        <pc:sldMkLst>
-          <pc:docMk/>
-          <pc:sldMk cId="3439275610" sldId="685"/>
-        </pc:sldMkLst>
-        <pc:graphicFrameChg chg="add del">
-          <ac:chgData name="" userId="e6793c7ac87b5dd5" providerId="LiveId" clId="{335F0835-02A6-4104-A867-EEB2C06A5A4D}" dt="2023-09-28T13:02:48.746" v="2711"/>
-          <ac:graphicFrameMkLst>
-            <pc:docMk/>
-            <pc:sldMk cId="3439275610" sldId="685"/>
-            <ac:graphicFrameMk id="9" creationId="{2003BC88-90C4-4E56-A508-95D2CE3B1068}"/>
-          </ac:graphicFrameMkLst>
-        </pc:graphicFrameChg>
-        <pc:picChg chg="add mod">
-          <ac:chgData name="" userId="e6793c7ac87b5dd5" providerId="LiveId" clId="{335F0835-02A6-4104-A867-EEB2C06A5A4D}" dt="2023-09-24T08:14:13.966" v="2606" actId="1036"/>
-          <ac:picMkLst>
-            <pc:docMk/>
-            <pc:sldMk cId="3439275610" sldId="685"/>
-            <ac:picMk id="4" creationId="{DF802B35-D07F-49A4-BDA1-3C567E894712}"/>
-          </ac:picMkLst>
-        </pc:picChg>
-        <pc:picChg chg="add del">
-          <ac:chgData name="" userId="e6793c7ac87b5dd5" providerId="LiveId" clId="{335F0835-02A6-4104-A867-EEB2C06A5A4D}" dt="2023-09-28T13:02:49.388" v="2712" actId="478"/>
-          <ac:picMkLst>
-            <pc:docMk/>
-            <pc:sldMk cId="3439275610" sldId="685"/>
-            <ac:picMk id="7" creationId="{2AB4EFBF-F9D5-4E6C-8E80-A9895E0CC7BC}"/>
-          </ac:picMkLst>
-        </pc:picChg>
-      </pc:sldChg>
-      <pc:sldChg chg="addSp delSp modSp add">
-        <pc:chgData name="" userId="e6793c7ac87b5dd5" providerId="LiveId" clId="{335F0835-02A6-4104-A867-EEB2C06A5A4D}" dt="2023-09-24T16:41:51.947" v="2649"/>
-        <pc:sldMkLst>
-          <pc:docMk/>
-          <pc:sldMk cId="220840576" sldId="686"/>
-        </pc:sldMkLst>
-        <pc:spChg chg="mod">
-          <ac:chgData name="" userId="e6793c7ac87b5dd5" providerId="LiveId" clId="{335F0835-02A6-4104-A867-EEB2C06A5A4D}" dt="2023-09-24T16:41:51.947" v="2649"/>
-          <ac:spMkLst>
-            <pc:docMk/>
-            <pc:sldMk cId="220840576" sldId="686"/>
-            <ac:spMk id="3" creationId="{EA68E610-DD25-431B-85F0-D5B68EABBE7F}"/>
-          </ac:spMkLst>
-        </pc:spChg>
-        <pc:picChg chg="add del mod">
-          <ac:chgData name="" userId="e6793c7ac87b5dd5" providerId="LiveId" clId="{335F0835-02A6-4104-A867-EEB2C06A5A4D}" dt="2023-09-24T16:40:59.446" v="2622"/>
-          <ac:picMkLst>
-            <pc:docMk/>
-            <pc:sldMk cId="220840576" sldId="686"/>
-            <ac:picMk id="4" creationId="{156B228E-CF49-430D-9084-65D93EF7477D}"/>
-          </ac:picMkLst>
-        </pc:picChg>
-        <pc:picChg chg="del">
-          <ac:chgData name="" userId="e6793c7ac87b5dd5" providerId="LiveId" clId="{335F0835-02A6-4104-A867-EEB2C06A5A4D}" dt="2023-09-24T16:39:04.068" v="2614" actId="478"/>
-          <ac:picMkLst>
-            <pc:docMk/>
-            <pc:sldMk cId="220840576" sldId="686"/>
-            <ac:picMk id="5" creationId="{C5D70DDB-E798-46DC-B44A-186028EF4CEA}"/>
-          </ac:picMkLst>
-        </pc:picChg>
-        <pc:picChg chg="add mod">
-          <ac:chgData name="" userId="e6793c7ac87b5dd5" providerId="LiveId" clId="{335F0835-02A6-4104-A867-EEB2C06A5A4D}" dt="2023-09-24T16:41:41.637" v="2640" actId="1035"/>
-          <ac:picMkLst>
-            <pc:docMk/>
-            <pc:sldMk cId="220840576" sldId="686"/>
-            <ac:picMk id="6" creationId="{AA3BE99D-141B-4CE9-92F3-710CCFADE215}"/>
-          </ac:picMkLst>
-        </pc:picChg>
-        <pc:picChg chg="add mod">
-          <ac:chgData name="" userId="e6793c7ac87b5dd5" providerId="LiveId" clId="{335F0835-02A6-4104-A867-EEB2C06A5A4D}" dt="2023-09-24T16:41:43.827" v="2647" actId="1036"/>
-          <ac:picMkLst>
-            <pc:docMk/>
-            <pc:sldMk cId="220840576" sldId="686"/>
-            <ac:picMk id="7" creationId="{BF81A50B-2CE3-460C-9776-217B9854084C}"/>
-          </ac:picMkLst>
-        </pc:picChg>
-        <pc:picChg chg="add mod">
-          <ac:chgData name="" userId="e6793c7ac87b5dd5" providerId="LiveId" clId="{335F0835-02A6-4104-A867-EEB2C06A5A4D}" dt="2023-09-24T16:41:28.707" v="2625" actId="14100"/>
-          <ac:picMkLst>
-            <pc:docMk/>
-            <pc:sldMk cId="220840576" sldId="686"/>
-            <ac:picMk id="8" creationId="{EEE5439F-0B89-4176-B477-AD2809E533A0}"/>
-          </ac:picMkLst>
-        </pc:picChg>
-      </pc:sldChg>
-      <pc:sldChg chg="add">
-        <pc:chgData name="" userId="e6793c7ac87b5dd5" providerId="LiveId" clId="{335F0835-02A6-4104-A867-EEB2C06A5A4D}" dt="2023-09-24T16:48:12.765" v="2653"/>
+      <pc:sldChg chg="modSp">
+        <pc:chgData name="" userId="e6793c7ac87b5dd5" providerId="LiveId" clId="{F674413E-B023-4B86-859E-0ADFA50BCF28}" dt="2023-10-04T10:20:58.116" v="149" actId="114"/>
         <pc:sldMkLst>
           <pc:docMk/>
           <pc:sldMk cId="3143359031" sldId="687"/>
         </pc:sldMkLst>
+        <pc:spChg chg="mod">
+          <ac:chgData name="" userId="e6793c7ac87b5dd5" providerId="LiveId" clId="{F674413E-B023-4B86-859E-0ADFA50BCF28}" dt="2023-10-04T10:20:58.116" v="149" actId="114"/>
+          <ac:spMkLst>
+            <pc:docMk/>
+            <pc:sldMk cId="3143359031" sldId="687"/>
+            <ac:spMk id="3" creationId="{EA68E610-DD25-431B-85F0-D5B68EABBE7F}"/>
+          </ac:spMkLst>
+        </pc:spChg>
       </pc:sldChg>
-      <pc:sldChg chg="addSp delSp modSp add">
-        <pc:chgData name="" userId="e6793c7ac87b5dd5" providerId="LiveId" clId="{335F0835-02A6-4104-A867-EEB2C06A5A4D}" dt="2023-09-24T16:52:24.659" v="2699" actId="478"/>
+      <pc:sldChg chg="modSp">
+        <pc:chgData name="" userId="e6793c7ac87b5dd5" providerId="LiveId" clId="{F674413E-B023-4B86-859E-0ADFA50BCF28}" dt="2023-10-04T10:19:45.910" v="140" actId="114"/>
         <pc:sldMkLst>
           <pc:docMk/>
           <pc:sldMk cId="2217041631" sldId="688"/>
         </pc:sldMkLst>
-        <pc:picChg chg="mod">
-          <ac:chgData name="" userId="e6793c7ac87b5dd5" providerId="LiveId" clId="{335F0835-02A6-4104-A867-EEB2C06A5A4D}" dt="2023-09-24T16:52:05.599" v="2694" actId="1076"/>
-          <ac:picMkLst>
+        <pc:spChg chg="mod">
+          <ac:chgData name="" userId="e6793c7ac87b5dd5" providerId="LiveId" clId="{F674413E-B023-4B86-859E-0ADFA50BCF28}" dt="2023-10-04T10:19:45.910" v="140" actId="114"/>
+          <ac:spMkLst>
             <pc:docMk/>
             <pc:sldMk cId="2217041631" sldId="688"/>
-            <ac:picMk id="4" creationId="{DCC68F9A-AD21-4C92-99CB-32873A27F967}"/>
-          </ac:picMkLst>
-        </pc:picChg>
-        <pc:picChg chg="mod">
-          <ac:chgData name="" userId="e6793c7ac87b5dd5" providerId="LiveId" clId="{335F0835-02A6-4104-A867-EEB2C06A5A4D}" dt="2023-09-24T16:52:07.524" v="2695" actId="1076"/>
-          <ac:picMkLst>
-            <pc:docMk/>
-            <pc:sldMk cId="2217041631" sldId="688"/>
-            <ac:picMk id="5" creationId="{4E02A224-1559-4B44-847C-90807F9AD713}"/>
-          </ac:picMkLst>
-        </pc:picChg>
-        <pc:picChg chg="add del mod">
-          <ac:chgData name="" userId="e6793c7ac87b5dd5" providerId="LiveId" clId="{335F0835-02A6-4104-A867-EEB2C06A5A4D}" dt="2023-09-24T16:52:24.659" v="2699" actId="478"/>
-          <ac:picMkLst>
-            <pc:docMk/>
-            <pc:sldMk cId="2217041631" sldId="688"/>
-            <ac:picMk id="6" creationId="{C9E8BDAF-7ACB-4C42-A2B1-47BBDBD1D278}"/>
-          </ac:picMkLst>
-        </pc:picChg>
+            <ac:spMk id="3" creationId="{EA68E610-DD25-431B-85F0-D5B68EABBE7F}"/>
+          </ac:spMkLst>
+        </pc:spChg>
       </pc:sldChg>
-      <pc:sldChg chg="add">
-        <pc:chgData name="" userId="e6793c7ac87b5dd5" providerId="LiveId" clId="{335F0835-02A6-4104-A867-EEB2C06A5A4D}" dt="2023-09-24T16:52:22.061" v="2698"/>
+      <pc:sldChg chg="modSp">
+        <pc:chgData name="" userId="e6793c7ac87b5dd5" providerId="LiveId" clId="{F674413E-B023-4B86-859E-0ADFA50BCF28}" dt="2023-10-04T10:20:10.105" v="144" actId="114"/>
         <pc:sldMkLst>
           <pc:docMk/>
           <pc:sldMk cId="1252874999" sldId="689"/>
         </pc:sldMkLst>
+        <pc:spChg chg="mod">
+          <ac:chgData name="" userId="e6793c7ac87b5dd5" providerId="LiveId" clId="{F674413E-B023-4B86-859E-0ADFA50BCF28}" dt="2023-10-04T10:20:10.105" v="144" actId="114"/>
+          <ac:spMkLst>
+            <pc:docMk/>
+            <pc:sldMk cId="1252874999" sldId="689"/>
+            <ac:spMk id="3" creationId="{EA68E610-DD25-431B-85F0-D5B68EABBE7F}"/>
+          </ac:spMkLst>
+        </pc:spChg>
       </pc:sldChg>
-      <pc:sldChg chg="addSp delSp modSp add">
-        <pc:chgData name="" userId="e6793c7ac87b5dd5" providerId="LiveId" clId="{335F0835-02A6-4104-A867-EEB2C06A5A4D}" dt="2023-09-28T15:26:11.848" v="2861" actId="114"/>
+      <pc:sldChg chg="modSp">
+        <pc:chgData name="" userId="e6793c7ac87b5dd5" providerId="LiveId" clId="{F674413E-B023-4B86-859E-0ADFA50BCF28}" dt="2023-10-04T10:21:52.168" v="158" actId="114"/>
         <pc:sldMkLst>
           <pc:docMk/>
           <pc:sldMk cId="1858106215" sldId="690"/>
         </pc:sldMkLst>
         <pc:spChg chg="mod">
-          <ac:chgData name="" userId="e6793c7ac87b5dd5" providerId="LiveId" clId="{335F0835-02A6-4104-A867-EEB2C06A5A4D}" dt="2023-09-28T15:26:11.848" v="2861" actId="114"/>
+          <ac:chgData name="" userId="e6793c7ac87b5dd5" providerId="LiveId" clId="{F674413E-B023-4B86-859E-0ADFA50BCF28}" dt="2023-10-04T10:21:52.168" v="158" actId="114"/>
           <ac:spMkLst>
             <pc:docMk/>
             <pc:sldMk cId="1858106215" sldId="690"/>
-            <ac:spMk id="3" creationId="{EA68E610-DD25-431B-85F0-D5B68EABBE7F}"/>
-          </ac:spMkLst>
-        </pc:spChg>
-        <pc:picChg chg="mod">
-          <ac:chgData name="" userId="e6793c7ac87b5dd5" providerId="LiveId" clId="{335F0835-02A6-4104-A867-EEB2C06A5A4D}" dt="2023-09-28T15:22:59.901" v="2758" actId="1076"/>
-          <ac:picMkLst>
-            <pc:docMk/>
-            <pc:sldMk cId="1858106215" sldId="690"/>
-            <ac:picMk id="4" creationId="{BEADEF1D-5145-4C5C-88F9-1B4B3DD6B4A4}"/>
-          </ac:picMkLst>
-        </pc:picChg>
-        <pc:picChg chg="del">
-          <ac:chgData name="" userId="e6793c7ac87b5dd5" providerId="LiveId" clId="{335F0835-02A6-4104-A867-EEB2C06A5A4D}" dt="2023-09-28T15:21:52.573" v="2741" actId="478"/>
-          <ac:picMkLst>
-            <pc:docMk/>
-            <pc:sldMk cId="1858106215" sldId="690"/>
-            <ac:picMk id="5" creationId="{28B4BD15-97AB-4D28-8336-495D1A918D7F}"/>
-          </ac:picMkLst>
-        </pc:picChg>
-        <pc:picChg chg="del">
-          <ac:chgData name="" userId="e6793c7ac87b5dd5" providerId="LiveId" clId="{335F0835-02A6-4104-A867-EEB2C06A5A4D}" dt="2023-09-28T15:21:51.291" v="2740" actId="478"/>
-          <ac:picMkLst>
-            <pc:docMk/>
-            <pc:sldMk cId="1858106215" sldId="690"/>
-            <ac:picMk id="6" creationId="{3070F918-8387-4218-A2A4-A89080D94D6D}"/>
-          </ac:picMkLst>
-        </pc:picChg>
-        <pc:picChg chg="add mod">
-          <ac:chgData name="" userId="e6793c7ac87b5dd5" providerId="LiveId" clId="{335F0835-02A6-4104-A867-EEB2C06A5A4D}" dt="2023-09-28T15:23:02.193" v="2761" actId="1036"/>
-          <ac:picMkLst>
-            <pc:docMk/>
-            <pc:sldMk cId="1858106215" sldId="690"/>
-            <ac:picMk id="7" creationId="{37B01561-E3E4-4E2F-9B58-9207FBE3D645}"/>
-          </ac:picMkLst>
-        </pc:picChg>
-        <pc:picChg chg="add mod modCrop">
-          <ac:chgData name="" userId="e6793c7ac87b5dd5" providerId="LiveId" clId="{335F0835-02A6-4104-A867-EEB2C06A5A4D}" dt="2023-09-28T15:25:44.918" v="2857" actId="14100"/>
-          <ac:picMkLst>
-            <pc:docMk/>
-            <pc:sldMk cId="1858106215" sldId="690"/>
-            <ac:picMk id="8" creationId="{BD1F1EFF-01E2-43BD-8078-471A99EBA61E}"/>
-          </ac:picMkLst>
-        </pc:picChg>
-      </pc:sldChg>
-      <pc:sldChg chg="modSp add">
-        <pc:chgData name="" userId="e6793c7ac87b5dd5" providerId="LiveId" clId="{335F0835-02A6-4104-A867-EEB2C06A5A4D}" dt="2023-09-28T15:28:45.711" v="2874" actId="6549"/>
-        <pc:sldMkLst>
-          <pc:docMk/>
-          <pc:sldMk cId="3982883873" sldId="691"/>
-        </pc:sldMkLst>
-        <pc:spChg chg="mod">
-          <ac:chgData name="" userId="e6793c7ac87b5dd5" providerId="LiveId" clId="{335F0835-02A6-4104-A867-EEB2C06A5A4D}" dt="2023-09-28T15:27:53.193" v="2863"/>
-          <ac:spMkLst>
-            <pc:docMk/>
-            <pc:sldMk cId="3982883873" sldId="691"/>
-            <ac:spMk id="2" creationId="{80C2A2CA-06B6-4E6F-8AC0-2EA128376E10}"/>
-          </ac:spMkLst>
-        </pc:spChg>
-        <pc:spChg chg="mod">
-          <ac:chgData name="" userId="e6793c7ac87b5dd5" providerId="LiveId" clId="{335F0835-02A6-4104-A867-EEB2C06A5A4D}" dt="2023-09-28T15:28:45.711" v="2874" actId="6549"/>
-          <ac:spMkLst>
-            <pc:docMk/>
-            <pc:sldMk cId="3982883873" sldId="691"/>
-            <ac:spMk id="3" creationId="{EA68E610-DD25-431B-85F0-D5B68EABBE7F}"/>
-          </ac:spMkLst>
-        </pc:spChg>
-      </pc:sldChg>
-      <pc:sldChg chg="modSp add">
-        <pc:chgData name="" userId="e6793c7ac87b5dd5" providerId="LiveId" clId="{335F0835-02A6-4104-A867-EEB2C06A5A4D}" dt="2023-09-28T15:32:08.240" v="2910" actId="20577"/>
-        <pc:sldMkLst>
-          <pc:docMk/>
-          <pc:sldMk cId="1042574249" sldId="692"/>
-        </pc:sldMkLst>
-        <pc:spChg chg="mod">
-          <ac:chgData name="" userId="e6793c7ac87b5dd5" providerId="LiveId" clId="{335F0835-02A6-4104-A867-EEB2C06A5A4D}" dt="2023-09-28T15:32:08.240" v="2910" actId="20577"/>
-          <ac:spMkLst>
-            <pc:docMk/>
-            <pc:sldMk cId="1042574249" sldId="692"/>
-            <ac:spMk id="3" creationId="{EA68E610-DD25-431B-85F0-D5B68EABBE7F}"/>
-          </ac:spMkLst>
-        </pc:spChg>
-      </pc:sldChg>
-      <pc:sldChg chg="modSp add">
-        <pc:chgData name="" userId="e6793c7ac87b5dd5" providerId="LiveId" clId="{335F0835-02A6-4104-A867-EEB2C06A5A4D}" dt="2023-09-28T15:38:15.060" v="2916" actId="6549"/>
-        <pc:sldMkLst>
-          <pc:docMk/>
-          <pc:sldMk cId="252220863" sldId="693"/>
-        </pc:sldMkLst>
-        <pc:spChg chg="mod">
-          <ac:chgData name="" userId="e6793c7ac87b5dd5" providerId="LiveId" clId="{335F0835-02A6-4104-A867-EEB2C06A5A4D}" dt="2023-09-28T15:37:19.938" v="2912"/>
-          <ac:spMkLst>
-            <pc:docMk/>
-            <pc:sldMk cId="252220863" sldId="693"/>
-            <ac:spMk id="2" creationId="{80C2A2CA-06B6-4E6F-8AC0-2EA128376E10}"/>
-          </ac:spMkLst>
-        </pc:spChg>
-        <pc:spChg chg="mod">
-          <ac:chgData name="" userId="e6793c7ac87b5dd5" providerId="LiveId" clId="{335F0835-02A6-4104-A867-EEB2C06A5A4D}" dt="2023-09-28T15:38:15.060" v="2916" actId="6549"/>
-          <ac:spMkLst>
-            <pc:docMk/>
-            <pc:sldMk cId="252220863" sldId="693"/>
             <ac:spMk id="3" creationId="{EA68E610-DD25-431B-85F0-D5B68EABBE7F}"/>
           </ac:spMkLst>
         </pc:spChg>
@@ -1822,83 +414,23 @@
     </pc:docChg>
   </pc:docChgLst>
   <pc:docChgLst>
-    <pc:chgData userId="e6793c7ac87b5dd5" providerId="LiveId" clId="{F674413E-B023-4B86-859E-0ADFA50BCF28}"/>
-    <pc:docChg chg="undo modSld">
-      <pc:chgData name="" userId="e6793c7ac87b5dd5" providerId="LiveId" clId="{F674413E-B023-4B86-859E-0ADFA50BCF28}" dt="2023-09-29T04:25:09.091" v="15" actId="113"/>
+    <pc:chgData userId="e6793c7ac87b5dd5" providerId="LiveId" clId="{6A293E8B-E40B-4A82-83F8-6D81CD25BE6D}"/>
+    <pc:docChg chg="modSld">
+      <pc:chgData name="" userId="e6793c7ac87b5dd5" providerId="LiveId" clId="{6A293E8B-E40B-4A82-83F8-6D81CD25BE6D}" dt="2023-12-29T05:38:08.180" v="0" actId="114"/>
       <pc:docMkLst>
         <pc:docMk/>
       </pc:docMkLst>
       <pc:sldChg chg="modSp">
-        <pc:chgData name="" userId="e6793c7ac87b5dd5" providerId="LiveId" clId="{F674413E-B023-4B86-859E-0ADFA50BCF28}" dt="2023-09-29T04:15:54.505" v="3" actId="20577"/>
+        <pc:chgData name="" userId="e6793c7ac87b5dd5" providerId="LiveId" clId="{6A293E8B-E40B-4A82-83F8-6D81CD25BE6D}" dt="2023-12-29T05:38:08.180" v="0" actId="114"/>
         <pc:sldMkLst>
           <pc:docMk/>
-          <pc:sldMk cId="1369706923" sldId="256"/>
+          <pc:sldMk cId="955200714" sldId="681"/>
         </pc:sldMkLst>
         <pc:spChg chg="mod">
-          <ac:chgData name="" userId="e6793c7ac87b5dd5" providerId="LiveId" clId="{F674413E-B023-4B86-859E-0ADFA50BCF28}" dt="2023-09-29T04:15:54.505" v="3" actId="20577"/>
+          <ac:chgData name="" userId="e6793c7ac87b5dd5" providerId="LiveId" clId="{6A293E8B-E40B-4A82-83F8-6D81CD25BE6D}" dt="2023-12-29T05:38:08.180" v="0" actId="114"/>
           <ac:spMkLst>
             <pc:docMk/>
-            <pc:sldMk cId="1369706923" sldId="256"/>
-            <ac:spMk id="3" creationId="{487EEC43-1CDE-4345-A60A-F38221F81E0F}"/>
-          </ac:spMkLst>
-        </pc:spChg>
-      </pc:sldChg>
-      <pc:sldChg chg="modSp">
-        <pc:chgData name="" userId="e6793c7ac87b5dd5" providerId="LiveId" clId="{F674413E-B023-4B86-859E-0ADFA50BCF28}" dt="2023-09-21T06:49:06.144" v="2" actId="113"/>
-        <pc:sldMkLst>
-          <pc:docMk/>
-          <pc:sldMk cId="1184321245" sldId="260"/>
-        </pc:sldMkLst>
-        <pc:spChg chg="mod">
-          <ac:chgData name="" userId="e6793c7ac87b5dd5" providerId="LiveId" clId="{F674413E-B023-4B86-859E-0ADFA50BCF28}" dt="2023-09-21T06:49:06.144" v="2" actId="113"/>
-          <ac:spMkLst>
-            <pc:docMk/>
-            <pc:sldMk cId="1184321245" sldId="260"/>
-            <ac:spMk id="3" creationId="{EA68E610-DD25-431B-85F0-D5B68EABBE7F}"/>
-          </ac:spMkLst>
-        </pc:spChg>
-      </pc:sldChg>
-      <pc:sldChg chg="modSp">
-        <pc:chgData name="" userId="e6793c7ac87b5dd5" providerId="LiveId" clId="{F674413E-B023-4B86-859E-0ADFA50BCF28}" dt="2023-09-29T04:18:40.167" v="9" actId="114"/>
-        <pc:sldMkLst>
-          <pc:docMk/>
-          <pc:sldMk cId="1007577802" sldId="286"/>
-        </pc:sldMkLst>
-        <pc:spChg chg="mod">
-          <ac:chgData name="" userId="e6793c7ac87b5dd5" providerId="LiveId" clId="{F674413E-B023-4B86-859E-0ADFA50BCF28}" dt="2023-09-29T04:18:40.167" v="9" actId="114"/>
-          <ac:spMkLst>
-            <pc:docMk/>
-            <pc:sldMk cId="1007577802" sldId="286"/>
-            <ac:spMk id="3" creationId="{EA68E610-DD25-431B-85F0-D5B68EABBE7F}"/>
-          </ac:spMkLst>
-        </pc:spChg>
-      </pc:sldChg>
-      <pc:sldChg chg="modSp">
-        <pc:chgData name="" userId="e6793c7ac87b5dd5" providerId="LiveId" clId="{F674413E-B023-4B86-859E-0ADFA50BCF28}" dt="2023-09-29T04:25:09.091" v="15" actId="113"/>
-        <pc:sldMkLst>
-          <pc:docMk/>
-          <pc:sldMk cId="2462860063" sldId="294"/>
-        </pc:sldMkLst>
-        <pc:spChg chg="mod">
-          <ac:chgData name="" userId="e6793c7ac87b5dd5" providerId="LiveId" clId="{F674413E-B023-4B86-859E-0ADFA50BCF28}" dt="2023-09-29T04:25:09.091" v="15" actId="113"/>
-          <ac:spMkLst>
-            <pc:docMk/>
-            <pc:sldMk cId="2462860063" sldId="294"/>
-            <ac:spMk id="3" creationId="{EA68E610-DD25-431B-85F0-D5B68EABBE7F}"/>
-          </ac:spMkLst>
-        </pc:spChg>
-      </pc:sldChg>
-      <pc:sldChg chg="modSp">
-        <pc:chgData name="" userId="e6793c7ac87b5dd5" providerId="LiveId" clId="{F674413E-B023-4B86-859E-0ADFA50BCF28}" dt="2023-09-29T04:19:14.347" v="14" actId="114"/>
-        <pc:sldMkLst>
-          <pc:docMk/>
-          <pc:sldMk cId="301152134" sldId="680"/>
-        </pc:sldMkLst>
-        <pc:spChg chg="mod">
-          <ac:chgData name="" userId="e6793c7ac87b5dd5" providerId="LiveId" clId="{F674413E-B023-4B86-859E-0ADFA50BCF28}" dt="2023-09-29T04:19:14.347" v="14" actId="114"/>
-          <ac:spMkLst>
-            <pc:docMk/>
-            <pc:sldMk cId="301152134" sldId="680"/>
+            <pc:sldMk cId="955200714" sldId="681"/>
             <ac:spMk id="3" creationId="{EA68E610-DD25-431B-85F0-D5B68EABBE7F}"/>
           </ac:spMkLst>
         </pc:spChg>
@@ -1990,7 +522,7 @@
           <a:p>
             <a:fld id="{93D7E7A9-3FBC-4B6D-ABE2-1C94B314ADA1}" type="datetimeFigureOut">
               <a:rPr lang="en-IN" smtClean="0"/>
-              <a:t>29-09-2023</a:t>
+              <a:t>29-12-2023</a:t>
             </a:fld>
             <a:endParaRPr lang="en-IN"/>
           </a:p>
@@ -3606,7 +2138,7 @@
           <a:p>
             <a:fld id="{FCAEB917-4766-4900-A303-A659AC204F2B}" type="datetimeFigureOut">
               <a:rPr lang="en-IN" smtClean="0"/>
-              <a:t>29-09-2023</a:t>
+              <a:t>29-12-2023</a:t>
             </a:fld>
             <a:endParaRPr lang="en-IN"/>
           </a:p>
@@ -3806,7 +2338,7 @@
           <a:p>
             <a:fld id="{FCAEB917-4766-4900-A303-A659AC204F2B}" type="datetimeFigureOut">
               <a:rPr lang="en-IN" smtClean="0"/>
-              <a:t>29-09-2023</a:t>
+              <a:t>29-12-2023</a:t>
             </a:fld>
             <a:endParaRPr lang="en-IN"/>
           </a:p>
@@ -4016,7 +2548,7 @@
           <a:p>
             <a:fld id="{FCAEB917-4766-4900-A303-A659AC204F2B}" type="datetimeFigureOut">
               <a:rPr lang="en-IN" smtClean="0"/>
-              <a:t>29-09-2023</a:t>
+              <a:t>29-12-2023</a:t>
             </a:fld>
             <a:endParaRPr lang="en-IN"/>
           </a:p>
@@ -4385,7 +2917,7 @@
           <a:p>
             <a:fld id="{FCAEB917-4766-4900-A303-A659AC204F2B}" type="datetimeFigureOut">
               <a:rPr lang="en-IN" smtClean="0"/>
-              <a:t>29-09-2023</a:t>
+              <a:t>29-12-2023</a:t>
             </a:fld>
             <a:endParaRPr lang="en-IN"/>
           </a:p>
@@ -4661,7 +3193,7 @@
           <a:p>
             <a:fld id="{FCAEB917-4766-4900-A303-A659AC204F2B}" type="datetimeFigureOut">
               <a:rPr lang="en-IN" smtClean="0"/>
-              <a:t>29-09-2023</a:t>
+              <a:t>29-12-2023</a:t>
             </a:fld>
             <a:endParaRPr lang="en-IN"/>
           </a:p>
@@ -4929,7 +3461,7 @@
           <a:p>
             <a:fld id="{FCAEB917-4766-4900-A303-A659AC204F2B}" type="datetimeFigureOut">
               <a:rPr lang="en-IN" smtClean="0"/>
-              <a:t>29-09-2023</a:t>
+              <a:t>29-12-2023</a:t>
             </a:fld>
             <a:endParaRPr lang="en-IN"/>
           </a:p>
@@ -5344,7 +3876,7 @@
           <a:p>
             <a:fld id="{FCAEB917-4766-4900-A303-A659AC204F2B}" type="datetimeFigureOut">
               <a:rPr lang="en-IN" smtClean="0"/>
-              <a:t>29-09-2023</a:t>
+              <a:t>29-12-2023</a:t>
             </a:fld>
             <a:endParaRPr lang="en-IN"/>
           </a:p>
@@ -5486,7 +4018,7 @@
           <a:p>
             <a:fld id="{FCAEB917-4766-4900-A303-A659AC204F2B}" type="datetimeFigureOut">
               <a:rPr lang="en-IN" smtClean="0"/>
-              <a:t>29-09-2023</a:t>
+              <a:t>29-12-2023</a:t>
             </a:fld>
             <a:endParaRPr lang="en-IN"/>
           </a:p>
@@ -5599,7 +4131,7 @@
           <a:p>
             <a:fld id="{FCAEB917-4766-4900-A303-A659AC204F2B}" type="datetimeFigureOut">
               <a:rPr lang="en-IN" smtClean="0"/>
-              <a:t>29-09-2023</a:t>
+              <a:t>29-12-2023</a:t>
             </a:fld>
             <a:endParaRPr lang="en-IN"/>
           </a:p>
@@ -5912,7 +4444,7 @@
           <a:p>
             <a:fld id="{FCAEB917-4766-4900-A303-A659AC204F2B}" type="datetimeFigureOut">
               <a:rPr lang="en-IN" smtClean="0"/>
-              <a:t>29-09-2023</a:t>
+              <a:t>29-12-2023</a:t>
             </a:fld>
             <a:endParaRPr lang="en-IN"/>
           </a:p>
@@ -6201,7 +4733,7 @@
           <a:p>
             <a:fld id="{FCAEB917-4766-4900-A303-A659AC204F2B}" type="datetimeFigureOut">
               <a:rPr lang="en-IN" smtClean="0"/>
-              <a:t>29-09-2023</a:t>
+              <a:t>29-12-2023</a:t>
             </a:fld>
             <a:endParaRPr lang="en-IN"/>
           </a:p>
@@ -6444,7 +4976,7 @@
           <a:p>
             <a:fld id="{FCAEB917-4766-4900-A303-A659AC204F2B}" type="datetimeFigureOut">
               <a:rPr lang="en-IN" smtClean="0"/>
-              <a:t>29-09-2023</a:t>
+              <a:t>29-12-2023</a:t>
             </a:fld>
             <a:endParaRPr lang="en-IN"/>
           </a:p>
@@ -14106,12 +12638,20 @@
               <a:t>dissimilarity between two objects </a:t>
             </a:r>
             <a:r>
-              <a:rPr lang="en-US" dirty="0" err="1"/>
+              <a:rPr lang="en-US" i="1" dirty="0" err="1"/>
               <a:t>i</a:t>
             </a:r>
             <a:r>
               <a:rPr lang="en-US" dirty="0"/>
-              <a:t> and j can be computed based on the ratio of mismatches:</a:t>
+              <a:t> and </a:t>
+            </a:r>
+            <a:r>
+              <a:rPr lang="en-US" i="1" dirty="0"/>
+              <a:t>j</a:t>
+            </a:r>
+            <a:r>
+              <a:rPr lang="en-US" dirty="0"/>
+              <a:t> can be computed based on the ratio of mismatches:</a:t>
             </a:r>
           </a:p>
           <a:p>
@@ -14150,12 +12690,20 @@
               <a:t>where m is the number of matches (i.e., the number of attributes for which </a:t>
             </a:r>
             <a:r>
-              <a:rPr lang="en-US" dirty="0" err="1"/>
+              <a:rPr lang="en-US" i="1" dirty="0" err="1"/>
               <a:t>i</a:t>
             </a:r>
             <a:r>
               <a:rPr lang="en-US" dirty="0"/>
-              <a:t> and j are in the same state).</a:t>
+              <a:t> and </a:t>
+            </a:r>
+            <a:r>
+              <a:rPr lang="en-US" i="1" dirty="0"/>
+              <a:t>j</a:t>
+            </a:r>
+            <a:r>
+              <a:rPr lang="en-US" dirty="0"/>
+              <a:t> are in the same state).</a:t>
             </a:r>
           </a:p>
           <a:p>
@@ -14168,8 +12716,12 @@
               </a:spcBef>
             </a:pPr>
             <a:r>
-              <a:rPr lang="en-US" dirty="0"/>
-              <a:t>p is the total number of attributes describing the objects.</a:t>
+              <a:rPr lang="en-US" i="1" dirty="0"/>
+              <a:t>p</a:t>
+            </a:r>
+            <a:r>
+              <a:rPr lang="en-US" dirty="0"/>
+              <a:t> is the total number of attributes describing the objects.</a:t>
             </a:r>
           </a:p>
         </p:txBody>
@@ -15067,6 +13619,17 @@
                 <a:spcPts val="0"/>
               </a:spcBef>
             </a:pPr>
+            <a:endParaRPr lang="en-US" dirty="0"/>
+          </a:p>
+          <a:p>
+            <a:pPr algn="just">
+              <a:lnSpc>
+                <a:spcPct val="100000"/>
+              </a:lnSpc>
+              <a:spcBef>
+                <a:spcPts val="0"/>
+              </a:spcBef>
+            </a:pPr>
             <a:r>
               <a:rPr lang="en-US" dirty="0"/>
               <a:t>The dissimilarity based on asymmetric binary attributes is called </a:t>
@@ -15077,7 +13640,27 @@
             </a:r>
             <a:r>
               <a:rPr lang="en-US" dirty="0"/>
-              <a:t>where the number of negative matches, t, is considered unimportant and is thus ignored in the following computation:</a:t>
+              <a:t>where the </a:t>
+            </a:r>
+            <a:r>
+              <a:rPr lang="en-US" b="1" dirty="0"/>
+              <a:t>number of negative matches, </a:t>
+            </a:r>
+            <a:r>
+              <a:rPr lang="en-US" i="1" dirty="0"/>
+              <a:t>t</a:t>
+            </a:r>
+            <a:r>
+              <a:rPr lang="en-US" dirty="0"/>
+              <a:t>, is considered </a:t>
+            </a:r>
+            <a:r>
+              <a:rPr lang="en-US" b="1" dirty="0"/>
+              <a:t>unimportant</a:t>
+            </a:r>
+            <a:r>
+              <a:rPr lang="en-US" dirty="0"/>
+              <a:t> and is thus ignored in the following computation:</a:t>
             </a:r>
           </a:p>
           <a:p>
@@ -15156,7 +13739,7 @@
         </p:blipFill>
         <p:spPr>
           <a:xfrm>
-            <a:off x="5667079" y="4564951"/>
+            <a:off x="5815124" y="5087466"/>
             <a:ext cx="2981053" cy="1043369"/>
           </a:xfrm>
           <a:prstGeom prst="rect">
@@ -15947,12 +14530,20 @@
               <a:t>For example, the asymmetric binary similarity between the objects </a:t>
             </a:r>
             <a:r>
-              <a:rPr lang="en-US" dirty="0" err="1"/>
+              <a:rPr lang="en-US" i="1" dirty="0" err="1"/>
               <a:t>i</a:t>
             </a:r>
             <a:r>
               <a:rPr lang="en-US" dirty="0"/>
-              <a:t> and j can be computed as:</a:t>
+              <a:t> and </a:t>
+            </a:r>
+            <a:r>
+              <a:rPr lang="en-US" i="1" dirty="0"/>
+              <a:t>j</a:t>
+            </a:r>
+            <a:r>
+              <a:rPr lang="en-US" dirty="0"/>
+              <a:t> can be computed as:</a:t>
             </a:r>
           </a:p>
           <a:p>
@@ -16010,15 +14601,23 @@
             </a:pPr>
             <a:r>
               <a:rPr lang="en-US" dirty="0"/>
-              <a:t>The coefficient sim(</a:t>
-            </a:r>
-            <a:r>
-              <a:rPr lang="en-US" dirty="0" err="1"/>
+              <a:t>The coefficient </a:t>
+            </a:r>
+            <a:r>
+              <a:rPr lang="en-US" i="1" dirty="0"/>
+              <a:t>sim(</a:t>
+            </a:r>
+            <a:r>
+              <a:rPr lang="en-US" i="1" dirty="0" err="1"/>
               <a:t>i</a:t>
             </a:r>
             <a:r>
-              <a:rPr lang="en-US" dirty="0"/>
-              <a:t>, j) is called the Jaccard coefficient.</a:t>
+              <a:rPr lang="en-US" i="1" dirty="0"/>
+              <a:t>, j) </a:t>
+            </a:r>
+            <a:r>
+              <a:rPr lang="en-US" dirty="0"/>
+              <a:t>is called the Jaccard coefficient.</a:t>
             </a:r>
           </a:p>
         </p:txBody>
@@ -16166,7 +14765,140 @@
             </a:r>
             <a:r>
               <a:rPr lang="en-US" dirty="0"/>
-              <a:t>where the number of negative matches, t, is considered unimportant and is thus ignored in the following computation:</a:t>
+              <a:t>where the number of negative matches, </a:t>
+            </a:r>
+            <a:r>
+              <a:rPr lang="en-US" i="1" dirty="0"/>
+              <a:t>t</a:t>
+            </a:r>
+            <a:r>
+              <a:rPr lang="en-US" dirty="0"/>
+              <a:t>, is considered unimportant and is thus ignored: </a:t>
+            </a:r>
+          </a:p>
+          <a:p>
+            <a:pPr algn="just">
+              <a:lnSpc>
+                <a:spcPct val="100000"/>
+              </a:lnSpc>
+              <a:spcBef>
+                <a:spcPts val="0"/>
+              </a:spcBef>
+            </a:pPr>
+            <a:endParaRPr lang="en-US" dirty="0"/>
+          </a:p>
+          <a:p>
+            <a:pPr algn="just">
+              <a:lnSpc>
+                <a:spcPct val="100000"/>
+              </a:lnSpc>
+              <a:spcBef>
+                <a:spcPts val="0"/>
+              </a:spcBef>
+            </a:pPr>
+            <a:endParaRPr lang="en-US" dirty="0"/>
+          </a:p>
+          <a:p>
+            <a:pPr algn="just">
+              <a:lnSpc>
+                <a:spcPct val="100000"/>
+              </a:lnSpc>
+              <a:spcBef>
+                <a:spcPts val="0"/>
+              </a:spcBef>
+            </a:pPr>
+            <a:endParaRPr lang="en-US" dirty="0"/>
+          </a:p>
+          <a:p>
+            <a:pPr algn="just">
+              <a:lnSpc>
+                <a:spcPct val="100000"/>
+              </a:lnSpc>
+              <a:spcBef>
+                <a:spcPts val="0"/>
+              </a:spcBef>
+            </a:pPr>
+            <a:endParaRPr lang="en-US" dirty="0"/>
+          </a:p>
+          <a:p>
+            <a:pPr algn="just">
+              <a:lnSpc>
+                <a:spcPct val="100000"/>
+              </a:lnSpc>
+              <a:spcBef>
+                <a:spcPts val="0"/>
+              </a:spcBef>
+            </a:pPr>
+            <a:endParaRPr lang="en-US" dirty="0"/>
+          </a:p>
+          <a:p>
+            <a:pPr algn="just">
+              <a:lnSpc>
+                <a:spcPct val="100000"/>
+              </a:lnSpc>
+              <a:spcBef>
+                <a:spcPts val="0"/>
+              </a:spcBef>
+            </a:pPr>
+            <a:endParaRPr lang="en-US" dirty="0"/>
+          </a:p>
+          <a:p>
+            <a:pPr algn="just">
+              <a:lnSpc>
+                <a:spcPct val="100000"/>
+              </a:lnSpc>
+              <a:spcBef>
+                <a:spcPts val="0"/>
+              </a:spcBef>
+            </a:pPr>
+            <a:endParaRPr lang="en-US" dirty="0"/>
+          </a:p>
+          <a:p>
+            <a:pPr algn="just">
+              <a:lnSpc>
+                <a:spcPct val="100000"/>
+              </a:lnSpc>
+              <a:spcBef>
+                <a:spcPts val="0"/>
+              </a:spcBef>
+            </a:pPr>
+            <a:endParaRPr lang="en-US" dirty="0"/>
+          </a:p>
+          <a:p>
+            <a:pPr algn="just">
+              <a:lnSpc>
+                <a:spcPct val="100000"/>
+              </a:lnSpc>
+              <a:spcBef>
+                <a:spcPts val="0"/>
+              </a:spcBef>
+            </a:pPr>
+            <a:endParaRPr lang="en-US" dirty="0"/>
+          </a:p>
+          <a:p>
+            <a:pPr algn="just">
+              <a:lnSpc>
+                <a:spcPct val="100000"/>
+              </a:lnSpc>
+              <a:spcBef>
+                <a:spcPts val="0"/>
+              </a:spcBef>
+            </a:pPr>
+            <a:endParaRPr lang="en-US" sz="1800" dirty="0"/>
+          </a:p>
+          <a:p>
+            <a:pPr marL="0" indent="0" algn="just">
+              <a:lnSpc>
+                <a:spcPct val="100000"/>
+              </a:lnSpc>
+              <a:spcBef>
+                <a:spcPts val="0"/>
+              </a:spcBef>
+              <a:buNone/>
+            </a:pPr>
+            <a:r>
+              <a:rPr lang="en-US" sz="2200" dirty="0"/>
+              <a:t>Let the values Y (yes) and P (positive) be set to 1, and the value N (no or negative) be set to 0.</a:t>
             </a:r>
           </a:p>
           <a:p>
@@ -16395,30 +15127,8 @@
             </a:r>
             <a:r>
               <a:rPr lang="en-US" dirty="0"/>
-              <a:t>where the number of negative matches, t, is considered unimportant and is thus ignored in the following computation:</a:t>
-            </a:r>
-          </a:p>
-          <a:p>
-            <a:pPr algn="just">
-              <a:lnSpc>
-                <a:spcPct val="100000"/>
-              </a:lnSpc>
-              <a:spcBef>
-                <a:spcPts val="0"/>
-              </a:spcBef>
-            </a:pPr>
-            <a:endParaRPr lang="en-US" dirty="0"/>
-          </a:p>
-          <a:p>
-            <a:pPr algn="just">
-              <a:lnSpc>
-                <a:spcPct val="100000"/>
-              </a:lnSpc>
-              <a:spcBef>
-                <a:spcPts val="0"/>
-              </a:spcBef>
-            </a:pPr>
-            <a:endParaRPr lang="en-US" dirty="0"/>
+              <a:t>where the number of negative matches, t, is considered unimportant and is thus ignored:</a:t>
+            </a:r>
           </a:p>
         </p:txBody>
       </p:sp>
@@ -16932,7 +15642,7 @@
             </a:pPr>
             <a:r>
               <a:rPr lang="en-US" dirty="0"/>
-              <a:t>In some cases, the data are normalized before applying distance calculations. This involves transforming the data to fall within a smaller or common range, such as [−1,1] or [0.0, 1.0]. </a:t>
+              <a:t>In some cases, the data are normalized before applying distance calculations. This involves transforming the data to fall within a smaller or common range, such as [−1, 1] or [0.0, 1.0]. </a:t>
             </a:r>
           </a:p>
           <a:p>
@@ -16985,72 +15695,88 @@
               <a:t>(i.e., straight line or “as the crow flies”). Let </a:t>
             </a:r>
             <a:r>
-              <a:rPr lang="en-US" dirty="0" err="1"/>
+              <a:rPr lang="en-US" i="1" dirty="0" err="1"/>
               <a:t>i</a:t>
             </a:r>
             <a:r>
-              <a:rPr lang="en-US" dirty="0"/>
+              <a:rPr lang="en-US" i="1" dirty="0"/>
               <a:t> = (x</a:t>
             </a:r>
             <a:r>
-              <a:rPr lang="en-US" baseline="-25000" dirty="0"/>
+              <a:rPr lang="en-US" i="1" baseline="-25000" dirty="0"/>
               <a:t>i1</a:t>
             </a:r>
             <a:r>
-              <a:rPr lang="en-US" dirty="0"/>
+              <a:rPr lang="en-US" i="1" dirty="0"/>
               <a:t>, x</a:t>
             </a:r>
             <a:r>
-              <a:rPr lang="en-US" baseline="-25000" dirty="0"/>
+              <a:rPr lang="en-US" i="1" baseline="-25000" dirty="0"/>
               <a:t>i2</a:t>
             </a:r>
             <a:r>
-              <a:rPr lang="en-US" dirty="0"/>
+              <a:rPr lang="en-US" i="1" dirty="0"/>
               <a:t>,…, </a:t>
             </a:r>
             <a:r>
-              <a:rPr lang="en-US" dirty="0" err="1"/>
+              <a:rPr lang="en-US" i="1" dirty="0" err="1"/>
               <a:t>x</a:t>
             </a:r>
             <a:r>
-              <a:rPr lang="en-US" baseline="-25000" dirty="0" err="1"/>
+              <a:rPr lang="en-US" i="1" baseline="-25000" dirty="0" err="1"/>
               <a:t>ip</a:t>
             </a:r>
             <a:r>
-              <a:rPr lang="en-US" dirty="0"/>
-              <a:t>) and j = (x</a:t>
-            </a:r>
-            <a:r>
-              <a:rPr lang="en-US" baseline="-25000" dirty="0"/>
+              <a:rPr lang="en-US" i="1" dirty="0"/>
+              <a:t>) </a:t>
+            </a:r>
+            <a:r>
+              <a:rPr lang="en-US" dirty="0"/>
+              <a:t>and </a:t>
+            </a:r>
+            <a:r>
+              <a:rPr lang="en-US" i="1" dirty="0"/>
+              <a:t>j = (x</a:t>
+            </a:r>
+            <a:r>
+              <a:rPr lang="en-US" i="1" baseline="-25000" dirty="0"/>
               <a:t>j1</a:t>
             </a:r>
             <a:r>
-              <a:rPr lang="en-US" dirty="0"/>
+              <a:rPr lang="en-US" i="1" dirty="0"/>
               <a:t>, x</a:t>
             </a:r>
             <a:r>
-              <a:rPr lang="en-US" baseline="-25000" dirty="0"/>
+              <a:rPr lang="en-US" i="1" baseline="-25000" dirty="0"/>
               <a:t>j2</a:t>
             </a:r>
             <a:r>
-              <a:rPr lang="en-US" dirty="0"/>
+              <a:rPr lang="en-US" i="1" dirty="0"/>
               <a:t>,…, </a:t>
             </a:r>
             <a:r>
-              <a:rPr lang="en-US" dirty="0" err="1"/>
+              <a:rPr lang="en-US" i="1" dirty="0" err="1"/>
               <a:t>x</a:t>
             </a:r>
             <a:r>
-              <a:rPr lang="en-US" baseline="-25000" dirty="0" err="1"/>
+              <a:rPr lang="en-US" i="1" baseline="-25000" dirty="0" err="1"/>
               <a:t>jp</a:t>
             </a:r>
             <a:r>
-              <a:rPr lang="en-US" dirty="0"/>
-              <a:t>) be two objects described by </a:t>
+              <a:rPr lang="en-US" i="1" dirty="0"/>
+              <a:t>) </a:t>
+            </a:r>
+            <a:r>
+              <a:rPr lang="en-US" dirty="0"/>
+              <a:t>be two objects described by </a:t>
+            </a:r>
+            <a:r>
+              <a:rPr lang="en-US" b="1" i="1" dirty="0"/>
+              <a:t>p</a:t>
             </a:r>
             <a:r>
               <a:rPr lang="en-US" b="1" dirty="0"/>
-              <a:t>p numeric attributes</a:t>
+              <a:t> numeric attributes</a:t>
             </a:r>
             <a:r>
               <a:rPr lang="en-US" dirty="0"/>
@@ -17069,7 +15795,7 @@
               <a:t>objects </a:t>
             </a:r>
             <a:r>
-              <a:rPr lang="en-US" b="1" dirty="0" err="1"/>
+              <a:rPr lang="en-US" b="1" i="1" dirty="0" err="1"/>
               <a:t>i</a:t>
             </a:r>
             <a:r>
@@ -17077,7 +15803,7 @@
               <a:t> and </a:t>
             </a:r>
             <a:r>
-              <a:rPr lang="en-US" b="1" dirty="0"/>
+              <a:rPr lang="en-US" b="1" i="1" dirty="0"/>
               <a:t>j</a:t>
             </a:r>
             <a:r>
@@ -17280,16 +16006,20 @@
               <a:t>Non-negativity: </a:t>
             </a:r>
             <a:r>
-              <a:rPr lang="en-US" dirty="0"/>
+              <a:rPr lang="en-US" i="1" dirty="0"/>
               <a:t>d(</a:t>
             </a:r>
             <a:r>
-              <a:rPr lang="en-US" dirty="0" err="1"/>
+              <a:rPr lang="en-US" i="1" dirty="0" err="1"/>
               <a:t>i</a:t>
             </a:r>
             <a:r>
-              <a:rPr lang="en-US" dirty="0"/>
-              <a:t>, j) ≥ 0: Distance is a non-negative number.</a:t>
+              <a:rPr lang="en-US" i="1" dirty="0"/>
+              <a:t>, j) </a:t>
+            </a:r>
+            <a:r>
+              <a:rPr lang="en-US" dirty="0"/>
+              <a:t>≥ 0: Distance is a non-negative number.</a:t>
             </a:r>
           </a:p>
           <a:p>
@@ -17314,24 +16044,28 @@
               <a:t>: </a:t>
             </a:r>
             <a:r>
-              <a:rPr lang="en-US" dirty="0"/>
+              <a:rPr lang="en-US" i="1" dirty="0"/>
               <a:t>d(</a:t>
             </a:r>
             <a:r>
-              <a:rPr lang="en-US" dirty="0" err="1"/>
+              <a:rPr lang="en-US" i="1" dirty="0" err="1"/>
               <a:t>i</a:t>
             </a:r>
             <a:r>
-              <a:rPr lang="en-US" dirty="0"/>
+              <a:rPr lang="en-US" i="1" dirty="0"/>
               <a:t>, </a:t>
             </a:r>
             <a:r>
-              <a:rPr lang="en-US" dirty="0" err="1"/>
+              <a:rPr lang="en-US" i="1" dirty="0" err="1"/>
               <a:t>i</a:t>
             </a:r>
             <a:r>
-              <a:rPr lang="en-US" dirty="0"/>
-              <a:t>) = 0: The distance of an object to itself is 0.</a:t>
+              <a:rPr lang="en-US" i="1" dirty="0"/>
+              <a:t>) </a:t>
+            </a:r>
+            <a:r>
+              <a:rPr lang="en-US" dirty="0"/>
+              <a:t>= 0: The distance of an object to itself is 0.</a:t>
             </a:r>
           </a:p>
           <a:p>
@@ -17348,24 +16082,28 @@
               <a:t>Symmetry: </a:t>
             </a:r>
             <a:r>
-              <a:rPr lang="en-US" dirty="0"/>
+              <a:rPr lang="en-US" i="1" dirty="0"/>
               <a:t>d(</a:t>
             </a:r>
             <a:r>
-              <a:rPr lang="en-US" dirty="0" err="1"/>
+              <a:rPr lang="en-US" i="1" dirty="0" err="1"/>
               <a:t>i</a:t>
             </a:r>
             <a:r>
-              <a:rPr lang="en-US" dirty="0"/>
+              <a:rPr lang="en-US" i="1" dirty="0"/>
               <a:t>, j) = d(j, </a:t>
             </a:r>
             <a:r>
-              <a:rPr lang="en-US" dirty="0" err="1"/>
+              <a:rPr lang="en-US" i="1" dirty="0" err="1"/>
               <a:t>i</a:t>
             </a:r>
             <a:r>
-              <a:rPr lang="en-US" dirty="0"/>
-              <a:t>): Distance is a symmetric function.</a:t>
+              <a:rPr lang="en-US" i="1" dirty="0"/>
+              <a:t>)</a:t>
+            </a:r>
+            <a:r>
+              <a:rPr lang="en-US" dirty="0"/>
+              <a:t>: Distance is a symmetric function.</a:t>
             </a:r>
           </a:p>
           <a:p>
@@ -17382,32 +16120,52 @@
               <a:t>Triangle inequality: </a:t>
             </a:r>
             <a:r>
-              <a:rPr lang="en-US" dirty="0"/>
+              <a:rPr lang="en-US" i="1" dirty="0"/>
               <a:t>d(</a:t>
             </a:r>
             <a:r>
-              <a:rPr lang="en-US" dirty="0" err="1"/>
+              <a:rPr lang="en-US" i="1" dirty="0" err="1"/>
               <a:t>i</a:t>
             </a:r>
             <a:r>
-              <a:rPr lang="en-US" dirty="0"/>
+              <a:rPr lang="en-US" i="1" dirty="0"/>
               <a:t>, j) ≤ d(</a:t>
             </a:r>
             <a:r>
-              <a:rPr lang="en-US" dirty="0" err="1"/>
+              <a:rPr lang="en-US" i="1" dirty="0" err="1"/>
               <a:t>i</a:t>
             </a:r>
             <a:r>
-              <a:rPr lang="en-US" dirty="0"/>
-              <a:t>, k) + d(k, j): Going directly from object </a:t>
-            </a:r>
-            <a:r>
-              <a:rPr lang="en-US" dirty="0" err="1"/>
+              <a:rPr lang="en-US" i="1" dirty="0"/>
+              <a:t>, k) + d(k, j)</a:t>
+            </a:r>
+            <a:r>
+              <a:rPr lang="en-US" dirty="0"/>
+              <a:t>: Going directly from object </a:t>
+            </a:r>
+            <a:r>
+              <a:rPr lang="en-US" i="1" dirty="0" err="1"/>
               <a:t>i</a:t>
             </a:r>
             <a:r>
               <a:rPr lang="en-US" dirty="0"/>
-              <a:t> to object j in space is no more than making a detour over any other object k.</a:t>
+              <a:t> to object </a:t>
+            </a:r>
+            <a:r>
+              <a:rPr lang="en-US" i="1" dirty="0"/>
+              <a:t>j</a:t>
+            </a:r>
+            <a:r>
+              <a:rPr lang="en-US" dirty="0"/>
+              <a:t> in space is no more than making a detour over any other object </a:t>
+            </a:r>
+            <a:r>
+              <a:rPr lang="en-US" i="1" dirty="0"/>
+              <a:t>k</a:t>
+            </a:r>
+            <a:r>
+              <a:rPr lang="en-US" dirty="0"/>
+              <a:t>.</a:t>
             </a:r>
           </a:p>
         </p:txBody>
@@ -17617,19 +16375,39 @@
             </a:pPr>
             <a:r>
               <a:rPr lang="en-US" dirty="0"/>
-              <a:t>where h is a real number such that h ≥ 1. (Such a distance is also called </a:t>
-            </a:r>
-            <a:r>
-              <a:rPr lang="en-US" dirty="0" err="1"/>
+              <a:t>where </a:t>
+            </a:r>
+            <a:r>
+              <a:rPr lang="en-US" i="1" dirty="0"/>
+              <a:t>h</a:t>
+            </a:r>
+            <a:r>
+              <a:rPr lang="en-US" dirty="0"/>
+              <a:t> is a real number such that </a:t>
+            </a:r>
+            <a:r>
+              <a:rPr lang="en-US" i="1" dirty="0"/>
+              <a:t>h</a:t>
+            </a:r>
+            <a:r>
+              <a:rPr lang="en-US" dirty="0"/>
+              <a:t> ≥ 1. (Such a distance is also called </a:t>
+            </a:r>
+            <a:r>
+              <a:rPr lang="en-US" i="1" dirty="0" err="1"/>
               <a:t>L</a:t>
             </a:r>
             <a:r>
-              <a:rPr lang="en-US" baseline="-25000" dirty="0" err="1"/>
+              <a:rPr lang="en-US" i="1" baseline="-25000" dirty="0" err="1"/>
               <a:t>p</a:t>
             </a:r>
             <a:r>
-              <a:rPr lang="en-US" dirty="0"/>
-              <a:t> norm in some literature. </a:t>
+              <a:rPr lang="en-US" i="1" dirty="0"/>
+              <a:t> </a:t>
+            </a:r>
+            <a:r>
+              <a:rPr lang="en-US" dirty="0"/>
+              <a:t>norm in some literature. </a:t>
             </a:r>
           </a:p>
           <a:p>
@@ -17647,18 +16425,42 @@
             </a:r>
             <a:r>
               <a:rPr lang="en-US" dirty="0"/>
-              <a:t> distance represents the Manhattan distance when h = 1 (i.e., L</a:t>
-            </a:r>
-            <a:r>
-              <a:rPr lang="en-US" baseline="-25000" dirty="0"/>
+              <a:t> distance represents the Manhattan distance when </a:t>
+            </a:r>
+            <a:r>
+              <a:rPr lang="en-US" i="1" dirty="0"/>
+              <a:t>h</a:t>
+            </a:r>
+            <a:r>
+              <a:rPr lang="en-US" dirty="0"/>
+              <a:t> = 1 (i.e., </a:t>
+            </a:r>
+            <a:r>
+              <a:rPr lang="en-US" i="1" dirty="0"/>
+              <a:t>L</a:t>
+            </a:r>
+            <a:r>
+              <a:rPr lang="en-US" i="1" baseline="-25000" dirty="0"/>
               <a:t>1</a:t>
             </a:r>
             <a:r>
               <a:rPr lang="en-US" dirty="0"/>
-              <a:t> norm) and Euclidean distance when h = 2 (i.e., L</a:t>
-            </a:r>
-            <a:r>
-              <a:rPr lang="en-US" baseline="-25000" dirty="0"/>
+              <a:t> norm) and Euclidean distance when </a:t>
+            </a:r>
+            <a:r>
+              <a:rPr lang="en-US" i="1" dirty="0"/>
+              <a:t>h</a:t>
+            </a:r>
+            <a:r>
+              <a:rPr lang="en-US" dirty="0"/>
+              <a:t> = 2 (i.e., </a:t>
+            </a:r>
+            <a:r>
+              <a:rPr lang="en-US" i="1" dirty="0"/>
+              <a:t>L</a:t>
+            </a:r>
+            <a:r>
+              <a:rPr lang="en-US" i="1" baseline="-25000" dirty="0"/>
               <a:t>2</a:t>
             </a:r>
             <a:r>
@@ -18358,19 +17160,23 @@
               <a:t>The value of f for the </a:t>
             </a:r>
             <a:r>
-              <a:rPr lang="en-US" sz="2800" dirty="0" err="1"/>
-              <a:t>ith</a:t>
+              <a:rPr lang="en-US" sz="2800" i="1" dirty="0" err="1"/>
+              <a:t>i</a:t>
+            </a:r>
+            <a:r>
+              <a:rPr lang="en-US" sz="2800" i="1" baseline="30000" dirty="0" err="1"/>
+              <a:t>th</a:t>
             </a:r>
             <a:r>
               <a:rPr lang="en-US" sz="2800" dirty="0"/>
               <a:t> object is </a:t>
             </a:r>
             <a:r>
-              <a:rPr lang="en-US" sz="2800" dirty="0" err="1"/>
+              <a:rPr lang="en-US" sz="2800" i="1" dirty="0" err="1"/>
               <a:t>x</a:t>
             </a:r>
             <a:r>
-              <a:rPr lang="en-US" sz="2800" baseline="-25000" dirty="0" err="1"/>
+              <a:rPr lang="en-US" sz="2800" i="1" baseline="-25000" dirty="0" err="1"/>
               <a:t>if</a:t>
             </a:r>
             <a:r>
@@ -18378,23 +17184,31 @@
               <a:t> , and f has </a:t>
             </a:r>
             <a:r>
-              <a:rPr lang="en-US" sz="2800" dirty="0" err="1"/>
+              <a:rPr lang="en-US" sz="2800" i="1" dirty="0" err="1"/>
               <a:t>M</a:t>
             </a:r>
             <a:r>
-              <a:rPr lang="en-US" sz="2800" baseline="-25000" dirty="0" err="1"/>
+              <a:rPr lang="en-US" sz="2800" i="1" baseline="-25000" dirty="0" err="1"/>
               <a:t>f</a:t>
             </a:r>
             <a:r>
+              <a:rPr lang="en-US" sz="2800" i="1" dirty="0"/>
+              <a:t> </a:t>
+            </a:r>
+            <a:r>
               <a:rPr lang="en-US" sz="2800" dirty="0"/>
-              <a:t> ordered states, representing the ranking 1,…,</a:t>
-            </a:r>
-            <a:r>
-              <a:rPr lang="en-US" sz="2800" dirty="0" err="1"/>
+              <a:t>ordered states, representing the ranking </a:t>
+            </a:r>
+            <a:r>
+              <a:rPr lang="en-US" sz="2800" i="1" dirty="0"/>
+              <a:t>1,…,</a:t>
+            </a:r>
+            <a:r>
+              <a:rPr lang="en-US" sz="2800" i="1" dirty="0" err="1"/>
               <a:t>M</a:t>
             </a:r>
             <a:r>
-              <a:rPr lang="en-US" sz="2800" baseline="-25000" dirty="0" err="1"/>
+              <a:rPr lang="en-US" sz="2800" i="1" baseline="-25000" dirty="0" err="1"/>
               <a:t>f</a:t>
             </a:r>
             <a:r>
@@ -18402,11 +17216,11 @@
               <a:t>. Replace each </a:t>
             </a:r>
             <a:r>
-              <a:rPr lang="en-US" sz="2800" dirty="0" err="1"/>
+              <a:rPr lang="en-US" sz="2800" i="1" dirty="0" err="1"/>
               <a:t>x</a:t>
             </a:r>
             <a:r>
-              <a:rPr lang="en-US" sz="2800" baseline="-25000" dirty="0" err="1"/>
+              <a:rPr lang="en-US" sz="2800" i="1" baseline="-25000" dirty="0" err="1"/>
               <a:t>if</a:t>
             </a:r>
             <a:r>
@@ -18414,35 +17228,35 @@
               <a:t> by its corresponding rank, </a:t>
             </a:r>
             <a:r>
-              <a:rPr lang="en-US" sz="2800" dirty="0" err="1"/>
+              <a:rPr lang="en-US" sz="2800" i="1" dirty="0" err="1"/>
               <a:t>r</a:t>
             </a:r>
             <a:r>
-              <a:rPr lang="en-US" sz="2800" baseline="-25000" dirty="0" err="1"/>
+              <a:rPr lang="en-US" sz="2800" i="1" baseline="-25000" dirty="0" err="1"/>
               <a:t>if</a:t>
             </a:r>
             <a:r>
-              <a:rPr lang="en-US" sz="2800" dirty="0"/>
+              <a:rPr lang="en-US" sz="2800" i="1" dirty="0"/>
               <a:t> </a:t>
             </a:r>
             <a:r>
-              <a:rPr lang="en-IN" dirty="0"/>
+              <a:rPr lang="en-IN" i="1" dirty="0"/>
               <a:t>∈</a:t>
             </a:r>
             <a:r>
-              <a:rPr lang="en-US" sz="2800" dirty="0"/>
+              <a:rPr lang="en-US" sz="2800" i="1" dirty="0"/>
               <a:t> {1,…, </a:t>
             </a:r>
             <a:r>
-              <a:rPr lang="en-US" sz="2800" dirty="0" err="1"/>
+              <a:rPr lang="en-US" sz="2800" i="1" dirty="0" err="1"/>
               <a:t>M</a:t>
             </a:r>
             <a:r>
-              <a:rPr lang="en-US" sz="2800" baseline="-25000" dirty="0" err="1"/>
+              <a:rPr lang="en-US" sz="2800" i="1" baseline="-25000" dirty="0" err="1"/>
               <a:t>f</a:t>
             </a:r>
             <a:r>
-              <a:rPr lang="en-US" sz="2800" dirty="0"/>
+              <a:rPr lang="en-US" sz="2800" i="1" dirty="0"/>
               <a:t>}. </a:t>
             </a:r>
           </a:p>
@@ -18470,11 +17284,11 @@
               <a:t>, it is often necessary to map the range of each attribute onto [0.0, 1.0] so that each attribute has equal weight. We perform such data normalization by replacing the rank </a:t>
             </a:r>
             <a:r>
-              <a:rPr lang="en-US" sz="2800" dirty="0" err="1"/>
+              <a:rPr lang="en-US" sz="2800" i="1" dirty="0" err="1"/>
               <a:t>r</a:t>
             </a:r>
             <a:r>
-              <a:rPr lang="en-US" sz="2800" baseline="-25000" dirty="0" err="1"/>
+              <a:rPr lang="en-US" sz="2800" i="1" baseline="-25000" dirty="0" err="1"/>
               <a:t>if</a:t>
             </a:r>
             <a:r>
@@ -18482,11 +17296,11 @@
               <a:t> of the </a:t>
             </a:r>
             <a:r>
-              <a:rPr lang="en-US" sz="2800" dirty="0" err="1"/>
+              <a:rPr lang="en-US" sz="2800" i="1" dirty="0" err="1"/>
               <a:t>i</a:t>
             </a:r>
             <a:r>
-              <a:rPr lang="en-US" sz="2800" baseline="30000" dirty="0" err="1"/>
+              <a:rPr lang="en-US" sz="2800" i="1" baseline="30000" dirty="0" err="1"/>
               <a:t>th</a:t>
             </a:r>
             <a:r>
@@ -18494,11 +17308,11 @@
               <a:t> object in the </a:t>
             </a:r>
             <a:r>
-              <a:rPr lang="en-US" sz="2800" dirty="0" err="1"/>
+              <a:rPr lang="en-US" sz="2800" i="1" dirty="0" err="1"/>
               <a:t>f</a:t>
             </a:r>
             <a:r>
-              <a:rPr lang="en-US" sz="2800" baseline="30000" dirty="0" err="1"/>
+              <a:rPr lang="en-US" sz="2800" i="1" baseline="30000" dirty="0" err="1"/>
               <a:t>th</a:t>
             </a:r>
             <a:r>
@@ -18852,23 +17666,31 @@
               <a:t>Dissimilarity can then be computed using any of the distance measures described in previous slides for numeric attributes, using </a:t>
             </a:r>
             <a:r>
-              <a:rPr lang="en-US" sz="2800" dirty="0" err="1"/>
+              <a:rPr lang="en-US" sz="2800" i="1" dirty="0" err="1"/>
               <a:t>z</a:t>
             </a:r>
             <a:r>
-              <a:rPr lang="en-US" sz="2800" baseline="-25000" dirty="0" err="1"/>
+              <a:rPr lang="en-US" sz="2800" i="1" baseline="-25000" dirty="0" err="1"/>
               <a:t>if</a:t>
             </a:r>
             <a:r>
               <a:rPr lang="en-US" sz="2800" dirty="0"/>
-              <a:t> to represent the f value for the </a:t>
-            </a:r>
-            <a:r>
-              <a:rPr lang="en-US" sz="2800" dirty="0" err="1"/>
+              <a:t> to represent the </a:t>
+            </a:r>
+            <a:r>
+              <a:rPr lang="en-US" sz="2800" i="1" dirty="0"/>
+              <a:t>f</a:t>
+            </a:r>
+            <a:r>
+              <a:rPr lang="en-US" sz="2800" dirty="0"/>
+              <a:t> value for the </a:t>
+            </a:r>
+            <a:r>
+              <a:rPr lang="en-US" sz="2800" i="1" dirty="0" err="1"/>
               <a:t>i</a:t>
             </a:r>
             <a:r>
-              <a:rPr lang="en-US" sz="2800" baseline="30000" dirty="0" err="1"/>
+              <a:rPr lang="en-US" sz="2800" i="1" baseline="30000" dirty="0" err="1"/>
               <a:t>th</a:t>
             </a:r>
             <a:r>
@@ -18967,11 +17789,11 @@
               <a:t>There are three states for test-2: fair, good, and excellent, that is, </a:t>
             </a:r>
             <a:r>
-              <a:rPr lang="en-US" sz="2800" dirty="0" err="1"/>
+              <a:rPr lang="en-US" sz="2800" i="1" dirty="0" err="1"/>
               <a:t>M</a:t>
             </a:r>
             <a:r>
-              <a:rPr lang="en-US" sz="2800" baseline="-25000" dirty="0" err="1"/>
+              <a:rPr lang="en-US" sz="2800" i="1" baseline="-25000" dirty="0" err="1"/>
               <a:t>f</a:t>
             </a:r>
             <a:r>
@@ -19205,23 +18027,31 @@
               <a:t>Dissimilarity can then be computed using any of the distance measures described in previous slides for numeric attributes, using </a:t>
             </a:r>
             <a:r>
-              <a:rPr lang="en-US" sz="2800" dirty="0" err="1"/>
+              <a:rPr lang="en-US" sz="2800" i="1" dirty="0" err="1"/>
               <a:t>z</a:t>
             </a:r>
             <a:r>
-              <a:rPr lang="en-US" sz="2800" baseline="-25000" dirty="0" err="1"/>
+              <a:rPr lang="en-US" sz="2800" i="1" baseline="-25000" dirty="0" err="1"/>
               <a:t>if</a:t>
             </a:r>
             <a:r>
               <a:rPr lang="en-US" sz="2800" dirty="0"/>
-              <a:t> to represent the f value for the </a:t>
-            </a:r>
-            <a:r>
-              <a:rPr lang="en-US" sz="2800" dirty="0" err="1"/>
+              <a:t> to represent the </a:t>
+            </a:r>
+            <a:r>
+              <a:rPr lang="en-US" sz="2800" i="1" dirty="0"/>
+              <a:t>f</a:t>
+            </a:r>
+            <a:r>
+              <a:rPr lang="en-US" sz="2800" dirty="0"/>
+              <a:t> value for the </a:t>
+            </a:r>
+            <a:r>
+              <a:rPr lang="en-US" sz="2800" i="1" dirty="0" err="1"/>
               <a:t>i</a:t>
             </a:r>
             <a:r>
-              <a:rPr lang="en-US" sz="2800" baseline="30000" dirty="0" err="1"/>
+              <a:rPr lang="en-US" sz="2800" i="1" baseline="30000" dirty="0" err="1"/>
               <a:t>th</a:t>
             </a:r>
             <a:r>
@@ -19320,11 +18150,11 @@
               <a:t>There are three states for test-2: fair, good, and excellent, that is, </a:t>
             </a:r>
             <a:r>
-              <a:rPr lang="en-US" sz="2800" dirty="0" err="1"/>
+              <a:rPr lang="en-US" sz="2800" i="1" dirty="0" err="1"/>
               <a:t>M</a:t>
             </a:r>
             <a:r>
-              <a:rPr lang="en-US" sz="2800" baseline="-25000" dirty="0" err="1"/>
+              <a:rPr lang="en-US" sz="2800" i="1" baseline="-25000" dirty="0" err="1"/>
               <a:t>f</a:t>
             </a:r>
             <a:r>
@@ -19588,11 +18418,11 @@
               <a:t>Dissimilarity can then be computed using any of the distance measures described in previous slides for numeric attributes, using </a:t>
             </a:r>
             <a:r>
-              <a:rPr lang="en-US" sz="2800" dirty="0" err="1"/>
+              <a:rPr lang="en-US" sz="2800" i="1" dirty="0" err="1"/>
               <a:t>z</a:t>
             </a:r>
             <a:r>
-              <a:rPr lang="en-US" sz="2800" baseline="-25000" dirty="0" err="1"/>
+              <a:rPr lang="en-US" sz="2800" i="1" baseline="-25000" dirty="0" err="1"/>
               <a:t>if</a:t>
             </a:r>
             <a:r>
@@ -19600,11 +18430,11 @@
               <a:t> to represent the f value for the </a:t>
             </a:r>
             <a:r>
-              <a:rPr lang="en-US" sz="2800" dirty="0" err="1"/>
+              <a:rPr lang="en-US" sz="2800" i="1" dirty="0" err="1"/>
               <a:t>i</a:t>
             </a:r>
             <a:r>
-              <a:rPr lang="en-US" sz="2800" baseline="30000" dirty="0" err="1"/>
+              <a:rPr lang="en-US" sz="2800" i="1" baseline="30000" dirty="0" err="1"/>
               <a:t>th</a:t>
             </a:r>
             <a:r>
@@ -19636,22 +18466,26 @@
             </a:pPr>
             <a:r>
               <a:rPr lang="en-US" sz="2800" dirty="0"/>
-              <a:t>Similarity values for ordinal attributes can be interpreted from dissimilarity as sim(</a:t>
-            </a:r>
-            <a:r>
-              <a:rPr lang="en-US" sz="2800" dirty="0" err="1"/>
+              <a:t>Similarity values for ordinal attributes can be interpreted from dissimilarity as </a:t>
+            </a:r>
+            <a:r>
+              <a:rPr lang="en-US" sz="2800" i="1" dirty="0"/>
+              <a:t>sim(</a:t>
+            </a:r>
+            <a:r>
+              <a:rPr lang="en-US" sz="2800" i="1" dirty="0" err="1"/>
               <a:t>i,j</a:t>
             </a:r>
             <a:r>
-              <a:rPr lang="en-US" sz="2800" dirty="0"/>
+              <a:rPr lang="en-US" sz="2800" i="1" dirty="0"/>
               <a:t>) = 1 − d(</a:t>
             </a:r>
             <a:r>
-              <a:rPr lang="en-US" sz="2800" dirty="0" err="1"/>
+              <a:rPr lang="en-US" sz="2800" i="1" dirty="0" err="1"/>
               <a:t>i,j</a:t>
             </a:r>
             <a:r>
-              <a:rPr lang="en-US" sz="2800" dirty="0"/>
+              <a:rPr lang="en-US" sz="2800" i="1" dirty="0"/>
               <a:t>).</a:t>
             </a:r>
           </a:p>
@@ -20121,7 +18955,23 @@
             </a:pPr>
             <a:r>
               <a:rPr lang="en-US" dirty="0"/>
-              <a:t>Let x and y be two vectors for comparison. Using the cosine measure as a similarity function, we have</a:t>
+              <a:t>Let </a:t>
+            </a:r>
+            <a:r>
+              <a:rPr lang="en-US" i="1" dirty="0"/>
+              <a:t>x </a:t>
+            </a:r>
+            <a:r>
+              <a:rPr lang="en-US" dirty="0"/>
+              <a:t>and</a:t>
+            </a:r>
+            <a:r>
+              <a:rPr lang="en-US" i="1" dirty="0"/>
+              <a:t> y </a:t>
+            </a:r>
+            <a:r>
+              <a:rPr lang="en-US" dirty="0"/>
+              <a:t>be two vectors for comparison. Using the cosine measure as a similarity function, we have</a:t>
             </a:r>
           </a:p>
           <a:p>
@@ -20157,7 +19007,15 @@
             </a:pPr>
             <a:r>
               <a:rPr lang="en-US" dirty="0"/>
-              <a:t>where ||x|| is the Euclidean norm of vector 			  , defined as			    . </a:t>
+              <a:t>where ||</a:t>
+            </a:r>
+            <a:r>
+              <a:rPr lang="en-US" i="1" dirty="0"/>
+              <a:t>x</a:t>
+            </a:r>
+            <a:r>
+              <a:rPr lang="en-US" dirty="0"/>
+              <a:t>|| is the Euclidean norm of vector 			  , defined as			    . </a:t>
             </a:r>
           </a:p>
           <a:p>
@@ -20171,7 +19029,23 @@
             </a:pPr>
             <a:r>
               <a:rPr lang="en-US" dirty="0"/>
-              <a:t>Similarly, ||y|| is the Euclidean norm of vector y. The measure computes the cosine of the </a:t>
+              <a:t>Similarly, ||</a:t>
+            </a:r>
+            <a:r>
+              <a:rPr lang="en-US" i="1" dirty="0"/>
+              <a:t>y</a:t>
+            </a:r>
+            <a:r>
+              <a:rPr lang="en-US" dirty="0"/>
+              <a:t>|| is the Euclidean norm of vector </a:t>
+            </a:r>
+            <a:r>
+              <a:rPr lang="en-US" i="1" dirty="0"/>
+              <a:t>y</a:t>
+            </a:r>
+            <a:r>
+              <a:rPr lang="en-US" dirty="0"/>
+              <a:t>. The measure computes the cosine of the </a:t>
             </a:r>
             <a:r>
               <a:rPr lang="en-US" b="1" dirty="0"/>
@@ -20179,7 +19053,23 @@
             </a:r>
             <a:r>
               <a:rPr lang="en-US" dirty="0"/>
-              <a:t> between vectors x and y. </a:t>
+              <a:t> between vectors </a:t>
+            </a:r>
+            <a:r>
+              <a:rPr lang="en-US" i="1" dirty="0"/>
+              <a:t>x </a:t>
+            </a:r>
+            <a:r>
+              <a:rPr lang="en-US" dirty="0"/>
+              <a:t>and</a:t>
+            </a:r>
+            <a:r>
+              <a:rPr lang="en-US" i="1" dirty="0"/>
+              <a:t> y</a:t>
+            </a:r>
+            <a:r>
+              <a:rPr lang="en-US" dirty="0"/>
+              <a:t>. </a:t>
             </a:r>
           </a:p>
           <a:p>
@@ -20193,7 +19083,23 @@
             </a:pPr>
             <a:r>
               <a:rPr lang="en-US" dirty="0"/>
-              <a:t>A cosine value of 0 means that the two vectors are at 90 degrees to each other (orthogonal) and have no match. </a:t>
+              <a:t>A cosine value of </a:t>
+            </a:r>
+            <a:r>
+              <a:rPr lang="en-US" b="1" dirty="0"/>
+              <a:t>0</a:t>
+            </a:r>
+            <a:r>
+              <a:rPr lang="en-US" dirty="0"/>
+              <a:t> means that the two vectors are at 90 degrees to each other (orthogonal) and have </a:t>
+            </a:r>
+            <a:r>
+              <a:rPr lang="en-US" b="1" dirty="0"/>
+              <a:t>no match</a:t>
+            </a:r>
+            <a:r>
+              <a:rPr lang="en-US" dirty="0"/>
+              <a:t>. </a:t>
             </a:r>
           </a:p>
           <a:p>
@@ -20207,7 +19113,23 @@
             </a:pPr>
             <a:r>
               <a:rPr lang="en-US" dirty="0"/>
-              <a:t>The closer the cosine value to 1, the smaller the angle and the greater the match between vectors.</a:t>
+              <a:t>The closer the cosine value to </a:t>
+            </a:r>
+            <a:r>
+              <a:rPr lang="en-US" b="1" dirty="0"/>
+              <a:t>1</a:t>
+            </a:r>
+            <a:r>
+              <a:rPr lang="en-US" dirty="0"/>
+              <a:t>, the smaller the angle and the </a:t>
+            </a:r>
+            <a:r>
+              <a:rPr lang="en-US" b="1" dirty="0"/>
+              <a:t>greater the match </a:t>
+            </a:r>
+            <a:r>
+              <a:rPr lang="en-US" dirty="0"/>
+              <a:t>between vectors.</a:t>
             </a:r>
           </a:p>
           <a:p>
